--- a/Tvorba webových stránek 1.pptx
+++ b/Tvorba webových stránek 1.pptx
@@ -259,7 +259,7 @@
             <p14:sldId id="297"/>
           </p14:sldIdLst>
         </p14:section>
-        <p14:section name="Objekty" id="{C6322EB8-0D68-4F6F-AD84-D5972534582B}">
+        <p14:section name="Objekty a seznamy" id="{C6322EB8-0D68-4F6F-AD84-D5972534582B}">
           <p14:sldIdLst>
             <p14:sldId id="298"/>
             <p14:sldId id="299"/>
@@ -372,7 +372,7 @@
           <a:p>
             <a:fld id="{633219D4-7B58-4455-901E-DAF5B16E6890}" type="datetimeFigureOut">
               <a:rPr lang="cs-CZ" smtClean="0"/>
-              <a:t>18.03.2023</a:t>
+              <a:t>03.05.2023</a:t>
             </a:fld>
             <a:endParaRPr lang="cs-CZ"/>
           </a:p>
@@ -786,7 +786,7 @@
           <a:p>
             <a:fld id="{60FA9807-668D-49D6-BD59-266CE0ED31C1}" type="datetime1">
               <a:rPr lang="cs-CZ" smtClean="0"/>
-              <a:t>18.03.2023</a:t>
+              <a:t>03.05.2023</a:t>
             </a:fld>
             <a:endParaRPr lang="cs-CZ"/>
           </a:p>
@@ -984,7 +984,7 @@
           <a:p>
             <a:fld id="{6C4BC1DB-645C-42E6-8BC0-ABFA7001E04D}" type="datetime1">
               <a:rPr lang="cs-CZ" smtClean="0"/>
-              <a:t>18.03.2023</a:t>
+              <a:t>03.05.2023</a:t>
             </a:fld>
             <a:endParaRPr lang="cs-CZ"/>
           </a:p>
@@ -1192,7 +1192,7 @@
           <a:p>
             <a:fld id="{680827B2-4A68-483D-A954-5F6E914556D1}" type="datetime1">
               <a:rPr lang="cs-CZ" smtClean="0"/>
-              <a:t>18.03.2023</a:t>
+              <a:t>03.05.2023</a:t>
             </a:fld>
             <a:endParaRPr lang="cs-CZ"/>
           </a:p>
@@ -1390,7 +1390,7 @@
           <a:p>
             <a:fld id="{EB78CF32-CCF4-4BE4-9053-C37981F01BDA}" type="datetime1">
               <a:rPr lang="cs-CZ" smtClean="0"/>
-              <a:t>18.03.2023</a:t>
+              <a:t>03.05.2023</a:t>
             </a:fld>
             <a:endParaRPr lang="cs-CZ"/>
           </a:p>
@@ -1665,7 +1665,7 @@
           <a:p>
             <a:fld id="{A19D7E4A-730F-46D1-832D-77C420F1505A}" type="datetime1">
               <a:rPr lang="cs-CZ" smtClean="0"/>
-              <a:t>18.03.2023</a:t>
+              <a:t>03.05.2023</a:t>
             </a:fld>
             <a:endParaRPr lang="cs-CZ"/>
           </a:p>
@@ -1930,7 +1930,7 @@
           <a:p>
             <a:fld id="{99256A79-1724-42A1-8D55-1F5CA55068C7}" type="datetime1">
               <a:rPr lang="cs-CZ" smtClean="0"/>
-              <a:t>18.03.2023</a:t>
+              <a:t>03.05.2023</a:t>
             </a:fld>
             <a:endParaRPr lang="cs-CZ"/>
           </a:p>
@@ -2342,7 +2342,7 @@
           <a:p>
             <a:fld id="{AD5421B8-F398-4E5C-A7D8-AC66D2AC4B0A}" type="datetime1">
               <a:rPr lang="cs-CZ" smtClean="0"/>
-              <a:t>18.03.2023</a:t>
+              <a:t>03.05.2023</a:t>
             </a:fld>
             <a:endParaRPr lang="cs-CZ"/>
           </a:p>
@@ -2483,7 +2483,7 @@
           <a:p>
             <a:fld id="{F288F950-1C28-46FF-A7C8-4BEE2AF7A833}" type="datetime1">
               <a:rPr lang="cs-CZ" smtClean="0"/>
-              <a:t>18.03.2023</a:t>
+              <a:t>03.05.2023</a:t>
             </a:fld>
             <a:endParaRPr lang="cs-CZ"/>
           </a:p>
@@ -2596,7 +2596,7 @@
           <a:p>
             <a:fld id="{6BE2F2ED-E12A-46D5-A664-F65306655897}" type="datetime1">
               <a:rPr lang="cs-CZ" smtClean="0"/>
-              <a:t>18.03.2023</a:t>
+              <a:t>03.05.2023</a:t>
             </a:fld>
             <a:endParaRPr lang="cs-CZ"/>
           </a:p>
@@ -2907,7 +2907,7 @@
           <a:p>
             <a:fld id="{52E98677-007C-429E-84E1-5028F764232B}" type="datetime1">
               <a:rPr lang="cs-CZ" smtClean="0"/>
-              <a:t>18.03.2023</a:t>
+              <a:t>03.05.2023</a:t>
             </a:fld>
             <a:endParaRPr lang="cs-CZ"/>
           </a:p>
@@ -3195,7 +3195,7 @@
           <a:p>
             <a:fld id="{DAA27388-066E-40FE-8AC0-624E15108BC2}" type="datetime1">
               <a:rPr lang="cs-CZ" smtClean="0"/>
-              <a:t>18.03.2023</a:t>
+              <a:t>03.05.2023</a:t>
             </a:fld>
             <a:endParaRPr lang="cs-CZ"/>
           </a:p>
@@ -3436,7 +3436,7 @@
           <a:p>
             <a:fld id="{3ACA0928-5A49-4ABC-8407-F4F2AFC2513B}" type="datetime1">
               <a:rPr lang="cs-CZ" smtClean="0"/>
-              <a:t>18.03.2023</a:t>
+              <a:t>03.05.2023</a:t>
             </a:fld>
             <a:endParaRPr lang="cs-CZ"/>
           </a:p>
@@ -5851,7 +5851,7 @@
             </p:grpSpPr>
             <p:pic>
               <p:nvPicPr>
-                <p:cNvPr id="7" name="Obrázek 7">
+                <p:cNvPr id="3" name="Obrázek 3">
                   <a:hlinkClick r:id="rId16" action="ppaction://hlinksldjump"/>
                 </p:cNvPr>
                 <p:cNvPicPr>
@@ -5882,7 +5882,7 @@
             </p:pic>
             <p:pic>
               <p:nvPicPr>
-                <p:cNvPr id="8" name="Obrázek 8">
+                <p:cNvPr id="5" name="Obrázek 5">
                   <a:hlinkClick r:id="rId17" action="ppaction://hlinksldjump"/>
                 </p:cNvPr>
                 <p:cNvPicPr>
@@ -5913,7 +5913,7 @@
             </p:pic>
             <p:pic>
               <p:nvPicPr>
-                <p:cNvPr id="9" name="Obrázek 9">
+                <p:cNvPr id="7" name="Obrázek 7">
                   <a:hlinkClick r:id="rId18" action="ppaction://hlinksldjump"/>
                 </p:cNvPr>
                 <p:cNvPicPr>
@@ -5944,7 +5944,7 @@
             </p:pic>
             <p:pic>
               <p:nvPicPr>
-                <p:cNvPr id="10" name="Obrázek 10">
+                <p:cNvPr id="8" name="Obrázek 8">
                   <a:hlinkClick r:id="rId19" action="ppaction://hlinksldjump"/>
                 </p:cNvPr>
                 <p:cNvPicPr>
@@ -5975,7 +5975,7 @@
             </p:pic>
             <p:pic>
               <p:nvPicPr>
-                <p:cNvPr id="11" name="Obrázek 11">
+                <p:cNvPr id="9" name="Obrázek 9">
                   <a:hlinkClick r:id="rId20" action="ppaction://hlinksldjump"/>
                 </p:cNvPr>
                 <p:cNvPicPr>
@@ -6006,7 +6006,7 @@
             </p:pic>
             <p:pic>
               <p:nvPicPr>
-                <p:cNvPr id="12" name="Obrázek 12">
+                <p:cNvPr id="10" name="Obrázek 10">
                   <a:hlinkClick r:id="rId21" action="ppaction://hlinksldjump"/>
                 </p:cNvPr>
                 <p:cNvPicPr>
@@ -6037,7 +6037,7 @@
             </p:pic>
             <p:pic>
               <p:nvPicPr>
-                <p:cNvPr id="13" name="Obrázek 13">
+                <p:cNvPr id="11" name="Obrázek 11">
                   <a:hlinkClick r:id="rId22" action="ppaction://hlinksldjump"/>
                 </p:cNvPr>
                 <p:cNvPicPr>
@@ -6068,7 +6068,7 @@
             </p:pic>
             <p:pic>
               <p:nvPicPr>
-                <p:cNvPr id="14" name="Obrázek 14">
+                <p:cNvPr id="12" name="Obrázek 12">
                   <a:hlinkClick r:id="rId23" action="ppaction://hlinksldjump"/>
                 </p:cNvPr>
                 <p:cNvPicPr>
@@ -6099,7 +6099,7 @@
             </p:pic>
             <p:pic>
               <p:nvPicPr>
-                <p:cNvPr id="15" name="Obrázek 15">
+                <p:cNvPr id="13" name="Obrázek 13">
                   <a:hlinkClick r:id="rId24" action="ppaction://hlinksldjump"/>
                 </p:cNvPr>
                 <p:cNvPicPr>
@@ -6130,7 +6130,7 @@
             </p:pic>
             <p:pic>
               <p:nvPicPr>
-                <p:cNvPr id="16" name="Obrázek 16">
+                <p:cNvPr id="14" name="Obrázek 14">
                   <a:hlinkClick r:id="rId25" action="ppaction://hlinksldjump"/>
                 </p:cNvPr>
                 <p:cNvPicPr>
@@ -6161,7 +6161,7 @@
             </p:pic>
             <p:pic>
               <p:nvPicPr>
-                <p:cNvPr id="17" name="Obrázek 17">
+                <p:cNvPr id="15" name="Obrázek 15">
                   <a:hlinkClick r:id="rId26" action="ppaction://hlinksldjump"/>
                 </p:cNvPr>
                 <p:cNvPicPr>
@@ -6192,7 +6192,7 @@
             </p:pic>
             <p:pic>
               <p:nvPicPr>
-                <p:cNvPr id="18" name="Obrázek 18">
+                <p:cNvPr id="16" name="Obrázek 16">
                   <a:hlinkClick r:id="rId27" action="ppaction://hlinksldjump"/>
                 </p:cNvPr>
                 <p:cNvPicPr>
@@ -6223,7 +6223,7 @@
             </p:pic>
             <p:pic>
               <p:nvPicPr>
-                <p:cNvPr id="19" name="Obrázek 19">
+                <p:cNvPr id="17" name="Obrázek 17">
                   <a:hlinkClick r:id="rId28" action="ppaction://hlinksldjump"/>
                 </p:cNvPr>
                 <p:cNvPicPr>
@@ -6254,7 +6254,7 @@
             </p:pic>
             <p:pic>
               <p:nvPicPr>
-                <p:cNvPr id="20" name="Obrázek 20">
+                <p:cNvPr id="18" name="Obrázek 18">
                   <a:hlinkClick r:id="rId29" action="ppaction://hlinksldjump"/>
                 </p:cNvPr>
                 <p:cNvPicPr>
@@ -10564,7 +10564,7 @@
           <a:p>
             <a:r>
               <a:rPr lang="cs-CZ" dirty="0"/>
-              <a:t>Opakování objekty</a:t>
+              <a:t>Seznamy</a:t>
             </a:r>
           </a:p>
         </p:txBody>
@@ -10607,6 +10607,42 @@
               <a:t>youtube</a:t>
             </a:r>
             <a:endParaRPr lang="cs-CZ" dirty="0"/>
+          </a:p>
+          <a:p>
+            <a:r>
+              <a:rPr lang="cs-CZ" dirty="0"/>
+              <a:t>&lt;</a:t>
+            </a:r>
+            <a:r>
+              <a:rPr lang="cs-CZ" dirty="0" err="1"/>
+              <a:t>ul</a:t>
+            </a:r>
+            <a:r>
+              <a:rPr lang="cs-CZ" dirty="0"/>
+              <a:t>&gt; a &lt;</a:t>
+            </a:r>
+            <a:r>
+              <a:rPr lang="cs-CZ" dirty="0" err="1"/>
+              <a:t>ol</a:t>
+            </a:r>
+            <a:r>
+              <a:rPr lang="cs-CZ" dirty="0"/>
+              <a:t>&gt;</a:t>
+            </a:r>
+          </a:p>
+          <a:p>
+            <a:r>
+              <a:rPr lang="cs-CZ" dirty="0"/>
+              <a:t>&lt;</a:t>
+            </a:r>
+            <a:r>
+              <a:rPr lang="cs-CZ" dirty="0" err="1"/>
+              <a:t>li</a:t>
+            </a:r>
+            <a:r>
+              <a:rPr lang="cs-CZ" dirty="0"/>
+              <a:t>&gt;</a:t>
+            </a:r>
           </a:p>
         </p:txBody>
       </p:sp>
@@ -10723,7 +10759,7 @@
             </a:pPr>
             <a:r>
               <a:rPr lang="cs-CZ" dirty="0"/>
-              <a:t>Práce s objekty v HTML</a:t>
+              <a:t>Práce s objekty a seznamy v HTML</a:t>
             </a:r>
           </a:p>
           <a:p>
@@ -10734,6 +10770,17 @@
             <a:r>
               <a:rPr lang="cs-CZ" dirty="0" err="1"/>
               <a:t>iframe</a:t>
+            </a:r>
+            <a:endParaRPr lang="cs-CZ" dirty="0"/>
+          </a:p>
+          <a:p>
+            <a:r>
+              <a:rPr lang="cs-CZ" dirty="0"/>
+              <a:t>Umí </a:t>
+            </a:r>
+            <a:r>
+              <a:rPr lang="cs-CZ"/>
+              <a:t>generovat seznamy</a:t>
             </a:r>
             <a:endParaRPr lang="cs-CZ" dirty="0"/>
           </a:p>

--- a/Tvorba webových stránek 1.pptx
+++ b/Tvorba webových stránek 1.pptx
@@ -13,9 +13,9 @@
     <p:sldId id="257" r:id="rId4"/>
     <p:sldId id="258" r:id="rId5"/>
     <p:sldId id="259" r:id="rId6"/>
-    <p:sldId id="260" r:id="rId7"/>
-    <p:sldId id="262" r:id="rId8"/>
-    <p:sldId id="263" r:id="rId9"/>
+    <p:sldId id="263" r:id="rId7"/>
+    <p:sldId id="260" r:id="rId8"/>
+    <p:sldId id="262" r:id="rId9"/>
     <p:sldId id="264" r:id="rId10"/>
     <p:sldId id="261" r:id="rId11"/>
     <p:sldId id="265" r:id="rId12"/>
@@ -182,9 +182,9 @@
           <p14:sldIdLst>
             <p14:sldId id="258"/>
             <p14:sldId id="259"/>
+            <p14:sldId id="263"/>
             <p14:sldId id="260"/>
             <p14:sldId id="262"/>
-            <p14:sldId id="263"/>
             <p14:sldId id="264"/>
           </p14:sldIdLst>
         </p14:section>
@@ -372,7 +372,7 @@
           <a:p>
             <a:fld id="{633219D4-7B58-4455-901E-DAF5B16E6890}" type="datetimeFigureOut">
               <a:rPr lang="cs-CZ" smtClean="0"/>
-              <a:t>03.05.2023</a:t>
+              <a:t>24.09.2023</a:t>
             </a:fld>
             <a:endParaRPr lang="cs-CZ"/>
           </a:p>
@@ -786,7 +786,7 @@
           <a:p>
             <a:fld id="{60FA9807-668D-49D6-BD59-266CE0ED31C1}" type="datetime1">
               <a:rPr lang="cs-CZ" smtClean="0"/>
-              <a:t>03.05.2023</a:t>
+              <a:t>24.09.2023</a:t>
             </a:fld>
             <a:endParaRPr lang="cs-CZ"/>
           </a:p>
@@ -984,7 +984,7 @@
           <a:p>
             <a:fld id="{6C4BC1DB-645C-42E6-8BC0-ABFA7001E04D}" type="datetime1">
               <a:rPr lang="cs-CZ" smtClean="0"/>
-              <a:t>03.05.2023</a:t>
+              <a:t>24.09.2023</a:t>
             </a:fld>
             <a:endParaRPr lang="cs-CZ"/>
           </a:p>
@@ -1192,7 +1192,7 @@
           <a:p>
             <a:fld id="{680827B2-4A68-483D-A954-5F6E914556D1}" type="datetime1">
               <a:rPr lang="cs-CZ" smtClean="0"/>
-              <a:t>03.05.2023</a:t>
+              <a:t>24.09.2023</a:t>
             </a:fld>
             <a:endParaRPr lang="cs-CZ"/>
           </a:p>
@@ -1390,7 +1390,7 @@
           <a:p>
             <a:fld id="{EB78CF32-CCF4-4BE4-9053-C37981F01BDA}" type="datetime1">
               <a:rPr lang="cs-CZ" smtClean="0"/>
-              <a:t>03.05.2023</a:t>
+              <a:t>24.09.2023</a:t>
             </a:fld>
             <a:endParaRPr lang="cs-CZ"/>
           </a:p>
@@ -1665,7 +1665,7 @@
           <a:p>
             <a:fld id="{A19D7E4A-730F-46D1-832D-77C420F1505A}" type="datetime1">
               <a:rPr lang="cs-CZ" smtClean="0"/>
-              <a:t>03.05.2023</a:t>
+              <a:t>24.09.2023</a:t>
             </a:fld>
             <a:endParaRPr lang="cs-CZ"/>
           </a:p>
@@ -1930,7 +1930,7 @@
           <a:p>
             <a:fld id="{99256A79-1724-42A1-8D55-1F5CA55068C7}" type="datetime1">
               <a:rPr lang="cs-CZ" smtClean="0"/>
-              <a:t>03.05.2023</a:t>
+              <a:t>24.09.2023</a:t>
             </a:fld>
             <a:endParaRPr lang="cs-CZ"/>
           </a:p>
@@ -2342,7 +2342,7 @@
           <a:p>
             <a:fld id="{AD5421B8-F398-4E5C-A7D8-AC66D2AC4B0A}" type="datetime1">
               <a:rPr lang="cs-CZ" smtClean="0"/>
-              <a:t>03.05.2023</a:t>
+              <a:t>24.09.2023</a:t>
             </a:fld>
             <a:endParaRPr lang="cs-CZ"/>
           </a:p>
@@ -2483,7 +2483,7 @@
           <a:p>
             <a:fld id="{F288F950-1C28-46FF-A7C8-4BEE2AF7A833}" type="datetime1">
               <a:rPr lang="cs-CZ" smtClean="0"/>
-              <a:t>03.05.2023</a:t>
+              <a:t>24.09.2023</a:t>
             </a:fld>
             <a:endParaRPr lang="cs-CZ"/>
           </a:p>
@@ -2596,7 +2596,7 @@
           <a:p>
             <a:fld id="{6BE2F2ED-E12A-46D5-A664-F65306655897}" type="datetime1">
               <a:rPr lang="cs-CZ" smtClean="0"/>
-              <a:t>03.05.2023</a:t>
+              <a:t>24.09.2023</a:t>
             </a:fld>
             <a:endParaRPr lang="cs-CZ"/>
           </a:p>
@@ -2907,7 +2907,7 @@
           <a:p>
             <a:fld id="{52E98677-007C-429E-84E1-5028F764232B}" type="datetime1">
               <a:rPr lang="cs-CZ" smtClean="0"/>
-              <a:t>03.05.2023</a:t>
+              <a:t>24.09.2023</a:t>
             </a:fld>
             <a:endParaRPr lang="cs-CZ"/>
           </a:p>
@@ -3195,7 +3195,7 @@
           <a:p>
             <a:fld id="{DAA27388-066E-40FE-8AC0-624E15108BC2}" type="datetime1">
               <a:rPr lang="cs-CZ" smtClean="0"/>
-              <a:t>03.05.2023</a:t>
+              <a:t>24.09.2023</a:t>
             </a:fld>
             <a:endParaRPr lang="cs-CZ"/>
           </a:p>
@@ -3436,7 +3436,7 @@
           <a:p>
             <a:fld id="{3ACA0928-5A49-4ABC-8407-F4F2AFC2513B}" type="datetime1">
               <a:rPr lang="cs-CZ" smtClean="0"/>
-              <a:t>03.05.2023</a:t>
+              <a:t>24.09.2023</a:t>
             </a:fld>
             <a:endParaRPr lang="cs-CZ"/>
           </a:p>
@@ -11953,7 +11953,7 @@
           <p:cNvPr id="2" name="Nadpis 1">
             <a:extLst>
               <a:ext uri="{FF2B5EF4-FFF2-40B4-BE49-F238E27FC236}">
-                <a16:creationId xmlns:a16="http://schemas.microsoft.com/office/drawing/2014/main" id="{DA661291-D27E-CC18-83E9-1C88878C33A7}"/>
+                <a16:creationId xmlns:a16="http://schemas.microsoft.com/office/drawing/2014/main" id="{4C773B39-43D8-BD6D-507C-3F53D454FE8C}"/>
               </a:ext>
             </a:extLst>
           </p:cNvPr>
@@ -11971,7 +11971,7 @@
           <a:p>
             <a:r>
               <a:rPr lang="cs-CZ" dirty="0"/>
-              <a:t>Opakování 1</a:t>
+              <a:t>Typy příkazů, jejich rozdělení a způsob zápisu</a:t>
             </a:r>
           </a:p>
         </p:txBody>
@@ -11981,7 +11981,7 @@
           <p:cNvPr id="3" name="Zástupný obsah 2">
             <a:extLst>
               <a:ext uri="{FF2B5EF4-FFF2-40B4-BE49-F238E27FC236}">
-                <a16:creationId xmlns:a16="http://schemas.microsoft.com/office/drawing/2014/main" id="{F709B54B-3FCE-EEFE-BE36-60BC7E9F2BD1}"/>
+                <a16:creationId xmlns:a16="http://schemas.microsoft.com/office/drawing/2014/main" id="{33FE3FCB-8920-77FF-9C19-C20E1DCF41D7}"/>
               </a:ext>
             </a:extLst>
           </p:cNvPr>
@@ -11998,30 +11998,68 @@
           <a:lstStyle/>
           <a:p>
             <a:r>
-              <a:rPr lang="cs-CZ" dirty="0"/>
-              <a:t>Cvičení na HTML zápis</a:t>
-            </a:r>
-          </a:p>
-          <a:p>
-            <a:r>
-              <a:rPr lang="cs-CZ" dirty="0"/>
-              <a:t>Vložení odstavce – bez a s pomocí </a:t>
-            </a:r>
-            <a:r>
               <a:rPr lang="cs-CZ" b="1" dirty="0"/>
-              <a:t>&lt;p&gt;</a:t>
-            </a:r>
-          </a:p>
-          <a:p>
-            <a:r>
-              <a:rPr lang="cs-CZ" dirty="0"/>
-              <a:t>Tabulátory a mezery</a:t>
-            </a:r>
-          </a:p>
-          <a:p>
-            <a:r>
-              <a:rPr lang="cs-CZ" dirty="0"/>
-              <a:t>Komentáře v HTML</a:t>
+              <a:t>&lt;</a:t>
+            </a:r>
+            <a:r>
+              <a:rPr lang="cs-CZ" dirty="0"/>
+              <a:t> a </a:t>
+            </a:r>
+            <a:r>
+              <a:rPr lang="cs-CZ" b="1" dirty="0"/>
+              <a:t>&gt;</a:t>
+            </a:r>
+          </a:p>
+          <a:p>
+            <a:r>
+              <a:rPr lang="cs-CZ" b="1" dirty="0"/>
+              <a:t>Párové </a:t>
+            </a:r>
+            <a:r>
+              <a:rPr lang="cs-CZ" dirty="0"/>
+              <a:t>a </a:t>
+            </a:r>
+            <a:r>
+              <a:rPr lang="cs-CZ" b="1" dirty="0"/>
+              <a:t>nepárové značky</a:t>
+            </a:r>
+            <a:r>
+              <a:rPr lang="cs-CZ" dirty="0"/>
+              <a:t> -&gt; </a:t>
+            </a:r>
+            <a:r>
+              <a:rPr lang="cs-CZ" b="1" dirty="0"/>
+              <a:t>&lt;p&gt;&lt;/p&gt;</a:t>
+            </a:r>
+            <a:r>
+              <a:rPr lang="cs-CZ" dirty="0"/>
+              <a:t> a </a:t>
+            </a:r>
+            <a:r>
+              <a:rPr lang="cs-CZ" b="1" dirty="0"/>
+              <a:t>&lt;br&gt;</a:t>
+            </a:r>
+          </a:p>
+          <a:p>
+            <a:r>
+              <a:rPr lang="cs-CZ" dirty="0"/>
+              <a:t>Křížení</a:t>
+            </a:r>
+          </a:p>
+          <a:p>
+            <a:r>
+              <a:rPr lang="cs-CZ" dirty="0" err="1"/>
+              <a:t>Spongebob</a:t>
+            </a:r>
+            <a:r>
+              <a:rPr lang="cs-CZ" dirty="0"/>
+              <a:t> písmo</a:t>
+            </a:r>
+          </a:p>
+          <a:p>
+            <a:r>
+              <a:rPr lang="cs-CZ" dirty="0"/>
+              <a:t>Mezery a vícero mezer v textu</a:t>
             </a:r>
           </a:p>
         </p:txBody>
@@ -12031,7 +12069,7 @@
           <p:cNvPr id="4" name="Zástupný symbol pro číslo snímku 3">
             <a:extLst>
               <a:ext uri="{FF2B5EF4-FFF2-40B4-BE49-F238E27FC236}">
-                <a16:creationId xmlns:a16="http://schemas.microsoft.com/office/drawing/2014/main" id="{50D1AFB3-88CE-F7EF-4999-6E7726E39192}"/>
+                <a16:creationId xmlns:a16="http://schemas.microsoft.com/office/drawing/2014/main" id="{F9A28672-5BA4-CD5F-4D2F-8A5743FBD1A7}"/>
               </a:ext>
             </a:extLst>
           </p:cNvPr>
@@ -12058,7 +12096,7 @@
     </p:spTree>
     <p:extLst>
       <p:ext uri="{BB962C8B-B14F-4D97-AF65-F5344CB8AC3E}">
-        <p14:creationId xmlns:p14="http://schemas.microsoft.com/office/powerpoint/2010/main" val="244514984"/>
+        <p14:creationId xmlns:p14="http://schemas.microsoft.com/office/powerpoint/2010/main" val="2971210570"/>
       </p:ext>
     </p:extLst>
   </p:cSld>
@@ -12090,7 +12128,7 @@
           <p:cNvPr id="2" name="Nadpis 1">
             <a:extLst>
               <a:ext uri="{FF2B5EF4-FFF2-40B4-BE49-F238E27FC236}">
-                <a16:creationId xmlns:a16="http://schemas.microsoft.com/office/drawing/2014/main" id="{42B096B6-0960-2838-7931-80D00352CADB}"/>
+                <a16:creationId xmlns:a16="http://schemas.microsoft.com/office/drawing/2014/main" id="{DA661291-D27E-CC18-83E9-1C88878C33A7}"/>
               </a:ext>
             </a:extLst>
           </p:cNvPr>
@@ -12108,7 +12146,7 @@
           <a:p>
             <a:r>
               <a:rPr lang="cs-CZ" dirty="0"/>
-              <a:t>Test č. 1</a:t>
+              <a:t>Opakování 1</a:t>
             </a:r>
           </a:p>
         </p:txBody>
@@ -12118,7 +12156,7 @@
           <p:cNvPr id="3" name="Zástupný obsah 2">
             <a:extLst>
               <a:ext uri="{FF2B5EF4-FFF2-40B4-BE49-F238E27FC236}">
-                <a16:creationId xmlns:a16="http://schemas.microsoft.com/office/drawing/2014/main" id="{66B837A5-3CBC-9AF8-66F5-E1DD80626D97}"/>
+                <a16:creationId xmlns:a16="http://schemas.microsoft.com/office/drawing/2014/main" id="{F709B54B-3FCE-EEFE-BE36-60BC7E9F2BD1}"/>
               </a:ext>
             </a:extLst>
           </p:cNvPr>
@@ -12134,18 +12172,31 @@
           <a:bodyPr/>
           <a:lstStyle/>
           <a:p>
-            <a:pPr marL="0" indent="0">
-              <a:buNone/>
-            </a:pPr>
-            <a:r>
-              <a:rPr lang="cs-CZ" dirty="0"/>
-              <a:t>Zápis HTML</a:t>
-            </a:r>
-          </a:p>
-          <a:p>
-            <a:r>
-              <a:rPr lang="cs-CZ" dirty="0"/>
-              <a:t>Student chápe strukturu HTML a dodržuje zásady syntaxe. Umí správně uložit a pojmenovat soubor.</a:t>
+            <a:r>
+              <a:rPr lang="cs-CZ" dirty="0"/>
+              <a:t>Cvičení na HTML zápis</a:t>
+            </a:r>
+          </a:p>
+          <a:p>
+            <a:r>
+              <a:rPr lang="cs-CZ" dirty="0"/>
+              <a:t>Vložení odstavce – bez a s pomocí </a:t>
+            </a:r>
+            <a:r>
+              <a:rPr lang="cs-CZ" b="1" dirty="0"/>
+              <a:t>&lt;p&gt;</a:t>
+            </a:r>
+          </a:p>
+          <a:p>
+            <a:r>
+              <a:rPr lang="cs-CZ" dirty="0"/>
+              <a:t>Tabulátory a mezery</a:t>
+            </a:r>
+          </a:p>
+          <a:p>
+            <a:r>
+              <a:rPr lang="cs-CZ" dirty="0"/>
+              <a:t>Komentáře v HTML</a:t>
             </a:r>
           </a:p>
         </p:txBody>
@@ -12155,7 +12206,7 @@
           <p:cNvPr id="4" name="Zástupný symbol pro číslo snímku 3">
             <a:extLst>
               <a:ext uri="{FF2B5EF4-FFF2-40B4-BE49-F238E27FC236}">
-                <a16:creationId xmlns:a16="http://schemas.microsoft.com/office/drawing/2014/main" id="{644B32D9-B6AF-15BC-72DA-F034506E18A4}"/>
+                <a16:creationId xmlns:a16="http://schemas.microsoft.com/office/drawing/2014/main" id="{50D1AFB3-88CE-F7EF-4999-6E7726E39192}"/>
               </a:ext>
             </a:extLst>
           </p:cNvPr>
@@ -12182,7 +12233,7 @@
     </p:spTree>
     <p:extLst>
       <p:ext uri="{BB962C8B-B14F-4D97-AF65-F5344CB8AC3E}">
-        <p14:creationId xmlns:p14="http://schemas.microsoft.com/office/powerpoint/2010/main" val="2883296439"/>
+        <p14:creationId xmlns:p14="http://schemas.microsoft.com/office/powerpoint/2010/main" val="244514984"/>
       </p:ext>
     </p:extLst>
   </p:cSld>
@@ -12214,7 +12265,7 @@
           <p:cNvPr id="2" name="Nadpis 1">
             <a:extLst>
               <a:ext uri="{FF2B5EF4-FFF2-40B4-BE49-F238E27FC236}">
-                <a16:creationId xmlns:a16="http://schemas.microsoft.com/office/drawing/2014/main" id="{4C773B39-43D8-BD6D-507C-3F53D454FE8C}"/>
+                <a16:creationId xmlns:a16="http://schemas.microsoft.com/office/drawing/2014/main" id="{42B096B6-0960-2838-7931-80D00352CADB}"/>
               </a:ext>
             </a:extLst>
           </p:cNvPr>
@@ -12232,7 +12283,7 @@
           <a:p>
             <a:r>
               <a:rPr lang="cs-CZ" dirty="0"/>
-              <a:t>Typy příkazů, jejich rozdělení a způsob zápisu</a:t>
+              <a:t>Test č. 1</a:t>
             </a:r>
           </a:p>
         </p:txBody>
@@ -12242,7 +12293,7 @@
           <p:cNvPr id="3" name="Zástupný obsah 2">
             <a:extLst>
               <a:ext uri="{FF2B5EF4-FFF2-40B4-BE49-F238E27FC236}">
-                <a16:creationId xmlns:a16="http://schemas.microsoft.com/office/drawing/2014/main" id="{33FE3FCB-8920-77FF-9C19-C20E1DCF41D7}"/>
+                <a16:creationId xmlns:a16="http://schemas.microsoft.com/office/drawing/2014/main" id="{66B837A5-3CBC-9AF8-66F5-E1DD80626D97}"/>
               </a:ext>
             </a:extLst>
           </p:cNvPr>
@@ -12258,69 +12309,18 @@
           <a:bodyPr/>
           <a:lstStyle/>
           <a:p>
-            <a:r>
-              <a:rPr lang="cs-CZ" b="1" dirty="0"/>
-              <a:t>&lt;</a:t>
-            </a:r>
-            <a:r>
-              <a:rPr lang="cs-CZ" dirty="0"/>
-              <a:t> a </a:t>
-            </a:r>
-            <a:r>
-              <a:rPr lang="cs-CZ" b="1" dirty="0"/>
-              <a:t>&gt;</a:t>
-            </a:r>
-          </a:p>
-          <a:p>
-            <a:r>
-              <a:rPr lang="cs-CZ" b="1" dirty="0"/>
-              <a:t>Párové </a:t>
-            </a:r>
-            <a:r>
-              <a:rPr lang="cs-CZ" dirty="0"/>
-              <a:t>a </a:t>
-            </a:r>
-            <a:r>
-              <a:rPr lang="cs-CZ" b="1" dirty="0"/>
-              <a:t>nepárové značky</a:t>
-            </a:r>
-            <a:r>
-              <a:rPr lang="cs-CZ" dirty="0"/>
-              <a:t> -&gt; </a:t>
-            </a:r>
-            <a:r>
-              <a:rPr lang="cs-CZ" b="1" dirty="0"/>
-              <a:t>&lt;p&gt;&lt;/p&gt;</a:t>
-            </a:r>
-            <a:r>
-              <a:rPr lang="cs-CZ" dirty="0"/>
-              <a:t> a </a:t>
-            </a:r>
-            <a:r>
-              <a:rPr lang="cs-CZ" b="1" dirty="0"/>
-              <a:t>&lt;br&gt;</a:t>
-            </a:r>
-          </a:p>
-          <a:p>
-            <a:r>
-              <a:rPr lang="cs-CZ" dirty="0"/>
-              <a:t>Křížení</a:t>
-            </a:r>
-          </a:p>
-          <a:p>
-            <a:r>
-              <a:rPr lang="cs-CZ" dirty="0" err="1"/>
-              <a:t>Spongebob</a:t>
-            </a:r>
-            <a:r>
-              <a:rPr lang="cs-CZ" dirty="0"/>
-              <a:t> písmo</a:t>
-            </a:r>
-          </a:p>
-          <a:p>
-            <a:r>
-              <a:rPr lang="cs-CZ" dirty="0"/>
-              <a:t>Mezery a vícero mezer v textu</a:t>
+            <a:pPr marL="0" indent="0">
+              <a:buNone/>
+            </a:pPr>
+            <a:r>
+              <a:rPr lang="cs-CZ" dirty="0"/>
+              <a:t>Zápis HTML</a:t>
+            </a:r>
+          </a:p>
+          <a:p>
+            <a:r>
+              <a:rPr lang="cs-CZ" dirty="0"/>
+              <a:t>Student chápe strukturu HTML a dodržuje zásady syntaxe. Umí správně uložit a pojmenovat soubor.</a:t>
             </a:r>
           </a:p>
         </p:txBody>
@@ -12330,7 +12330,7 @@
           <p:cNvPr id="4" name="Zástupný symbol pro číslo snímku 3">
             <a:extLst>
               <a:ext uri="{FF2B5EF4-FFF2-40B4-BE49-F238E27FC236}">
-                <a16:creationId xmlns:a16="http://schemas.microsoft.com/office/drawing/2014/main" id="{F9A28672-5BA4-CD5F-4D2F-8A5743FBD1A7}"/>
+                <a16:creationId xmlns:a16="http://schemas.microsoft.com/office/drawing/2014/main" id="{644B32D9-B6AF-15BC-72DA-F034506E18A4}"/>
               </a:ext>
             </a:extLst>
           </p:cNvPr>
@@ -12357,7 +12357,7 @@
     </p:spTree>
     <p:extLst>
       <p:ext uri="{BB962C8B-B14F-4D97-AF65-F5344CB8AC3E}">
-        <p14:creationId xmlns:p14="http://schemas.microsoft.com/office/powerpoint/2010/main" val="2971210570"/>
+        <p14:creationId xmlns:p14="http://schemas.microsoft.com/office/powerpoint/2010/main" val="2883296439"/>
       </p:ext>
     </p:extLst>
   </p:cSld>

--- a/Tvorba webových stránek 1.pptx
+++ b/Tvorba webových stránek 1.pptx
@@ -372,7 +372,7 @@
           <a:p>
             <a:fld id="{633219D4-7B58-4455-901E-DAF5B16E6890}" type="datetimeFigureOut">
               <a:rPr lang="cs-CZ" smtClean="0"/>
-              <a:t>24.09.2023</a:t>
+              <a:t>25.09.2023</a:t>
             </a:fld>
             <a:endParaRPr lang="cs-CZ"/>
           </a:p>
@@ -786,7 +786,7 @@
           <a:p>
             <a:fld id="{60FA9807-668D-49D6-BD59-266CE0ED31C1}" type="datetime1">
               <a:rPr lang="cs-CZ" smtClean="0"/>
-              <a:t>24.09.2023</a:t>
+              <a:t>25.09.2023</a:t>
             </a:fld>
             <a:endParaRPr lang="cs-CZ"/>
           </a:p>
@@ -984,7 +984,7 @@
           <a:p>
             <a:fld id="{6C4BC1DB-645C-42E6-8BC0-ABFA7001E04D}" type="datetime1">
               <a:rPr lang="cs-CZ" smtClean="0"/>
-              <a:t>24.09.2023</a:t>
+              <a:t>25.09.2023</a:t>
             </a:fld>
             <a:endParaRPr lang="cs-CZ"/>
           </a:p>
@@ -1192,7 +1192,7 @@
           <a:p>
             <a:fld id="{680827B2-4A68-483D-A954-5F6E914556D1}" type="datetime1">
               <a:rPr lang="cs-CZ" smtClean="0"/>
-              <a:t>24.09.2023</a:t>
+              <a:t>25.09.2023</a:t>
             </a:fld>
             <a:endParaRPr lang="cs-CZ"/>
           </a:p>
@@ -1390,7 +1390,7 @@
           <a:p>
             <a:fld id="{EB78CF32-CCF4-4BE4-9053-C37981F01BDA}" type="datetime1">
               <a:rPr lang="cs-CZ" smtClean="0"/>
-              <a:t>24.09.2023</a:t>
+              <a:t>25.09.2023</a:t>
             </a:fld>
             <a:endParaRPr lang="cs-CZ"/>
           </a:p>
@@ -1665,7 +1665,7 @@
           <a:p>
             <a:fld id="{A19D7E4A-730F-46D1-832D-77C420F1505A}" type="datetime1">
               <a:rPr lang="cs-CZ" smtClean="0"/>
-              <a:t>24.09.2023</a:t>
+              <a:t>25.09.2023</a:t>
             </a:fld>
             <a:endParaRPr lang="cs-CZ"/>
           </a:p>
@@ -1930,7 +1930,7 @@
           <a:p>
             <a:fld id="{99256A79-1724-42A1-8D55-1F5CA55068C7}" type="datetime1">
               <a:rPr lang="cs-CZ" smtClean="0"/>
-              <a:t>24.09.2023</a:t>
+              <a:t>25.09.2023</a:t>
             </a:fld>
             <a:endParaRPr lang="cs-CZ"/>
           </a:p>
@@ -2342,7 +2342,7 @@
           <a:p>
             <a:fld id="{AD5421B8-F398-4E5C-A7D8-AC66D2AC4B0A}" type="datetime1">
               <a:rPr lang="cs-CZ" smtClean="0"/>
-              <a:t>24.09.2023</a:t>
+              <a:t>25.09.2023</a:t>
             </a:fld>
             <a:endParaRPr lang="cs-CZ"/>
           </a:p>
@@ -2483,7 +2483,7 @@
           <a:p>
             <a:fld id="{F288F950-1C28-46FF-A7C8-4BEE2AF7A833}" type="datetime1">
               <a:rPr lang="cs-CZ" smtClean="0"/>
-              <a:t>24.09.2023</a:t>
+              <a:t>25.09.2023</a:t>
             </a:fld>
             <a:endParaRPr lang="cs-CZ"/>
           </a:p>
@@ -2596,7 +2596,7 @@
           <a:p>
             <a:fld id="{6BE2F2ED-E12A-46D5-A664-F65306655897}" type="datetime1">
               <a:rPr lang="cs-CZ" smtClean="0"/>
-              <a:t>24.09.2023</a:t>
+              <a:t>25.09.2023</a:t>
             </a:fld>
             <a:endParaRPr lang="cs-CZ"/>
           </a:p>
@@ -2907,7 +2907,7 @@
           <a:p>
             <a:fld id="{52E98677-007C-429E-84E1-5028F764232B}" type="datetime1">
               <a:rPr lang="cs-CZ" smtClean="0"/>
-              <a:t>24.09.2023</a:t>
+              <a:t>25.09.2023</a:t>
             </a:fld>
             <a:endParaRPr lang="cs-CZ"/>
           </a:p>
@@ -3195,7 +3195,7 @@
           <a:p>
             <a:fld id="{DAA27388-066E-40FE-8AC0-624E15108BC2}" type="datetime1">
               <a:rPr lang="cs-CZ" smtClean="0"/>
-              <a:t>24.09.2023</a:t>
+              <a:t>25.09.2023</a:t>
             </a:fld>
             <a:endParaRPr lang="cs-CZ"/>
           </a:p>
@@ -3436,7 +3436,7 @@
           <a:p>
             <a:fld id="{3ACA0928-5A49-4ABC-8407-F4F2AFC2513B}" type="datetime1">
               <a:rPr lang="cs-CZ" smtClean="0"/>
-              <a:t>24.09.2023</a:t>
+              <a:t>25.09.2023</a:t>
             </a:fld>
             <a:endParaRPr lang="cs-CZ"/>
           </a:p>
@@ -4035,12 +4035,6 @@
           <a:p>
             <a:r>
               <a:rPr lang="cs-CZ" dirty="0"/>
-              <a:t>Typy písma – serif, sans-serif</a:t>
-            </a:r>
-          </a:p>
-          <a:p>
-            <a:r>
-              <a:rPr lang="cs-CZ" dirty="0"/>
               <a:t>HTML příkazy:</a:t>
             </a:r>
           </a:p>
@@ -4199,6 +4193,12 @@
             <a:r>
               <a:rPr lang="cs-CZ" dirty="0"/>
               <a:t>Cvičení na Formátování textu 1</a:t>
+            </a:r>
+          </a:p>
+          <a:p>
+            <a:r>
+              <a:rPr lang="cs-CZ" dirty="0"/>
+              <a:t>Typy písma – serif, sans-serif</a:t>
             </a:r>
           </a:p>
           <a:p>

--- a/Tvorba webových stránek 1.pptx
+++ b/Tvorba webových stránek 1.pptx
@@ -372,7 +372,7 @@
           <a:p>
             <a:fld id="{633219D4-7B58-4455-901E-DAF5B16E6890}" type="datetimeFigureOut">
               <a:rPr lang="cs-CZ" smtClean="0"/>
-              <a:t>25.09.2023</a:t>
+              <a:t>05.10.2023</a:t>
             </a:fld>
             <a:endParaRPr lang="cs-CZ"/>
           </a:p>
@@ -786,7 +786,7 @@
           <a:p>
             <a:fld id="{60FA9807-668D-49D6-BD59-266CE0ED31C1}" type="datetime1">
               <a:rPr lang="cs-CZ" smtClean="0"/>
-              <a:t>25.09.2023</a:t>
+              <a:t>05.10.2023</a:t>
             </a:fld>
             <a:endParaRPr lang="cs-CZ"/>
           </a:p>
@@ -984,7 +984,7 @@
           <a:p>
             <a:fld id="{6C4BC1DB-645C-42E6-8BC0-ABFA7001E04D}" type="datetime1">
               <a:rPr lang="cs-CZ" smtClean="0"/>
-              <a:t>25.09.2023</a:t>
+              <a:t>05.10.2023</a:t>
             </a:fld>
             <a:endParaRPr lang="cs-CZ"/>
           </a:p>
@@ -1192,7 +1192,7 @@
           <a:p>
             <a:fld id="{680827B2-4A68-483D-A954-5F6E914556D1}" type="datetime1">
               <a:rPr lang="cs-CZ" smtClean="0"/>
-              <a:t>25.09.2023</a:t>
+              <a:t>05.10.2023</a:t>
             </a:fld>
             <a:endParaRPr lang="cs-CZ"/>
           </a:p>
@@ -1390,7 +1390,7 @@
           <a:p>
             <a:fld id="{EB78CF32-CCF4-4BE4-9053-C37981F01BDA}" type="datetime1">
               <a:rPr lang="cs-CZ" smtClean="0"/>
-              <a:t>25.09.2023</a:t>
+              <a:t>05.10.2023</a:t>
             </a:fld>
             <a:endParaRPr lang="cs-CZ"/>
           </a:p>
@@ -1665,7 +1665,7 @@
           <a:p>
             <a:fld id="{A19D7E4A-730F-46D1-832D-77C420F1505A}" type="datetime1">
               <a:rPr lang="cs-CZ" smtClean="0"/>
-              <a:t>25.09.2023</a:t>
+              <a:t>05.10.2023</a:t>
             </a:fld>
             <a:endParaRPr lang="cs-CZ"/>
           </a:p>
@@ -1930,7 +1930,7 @@
           <a:p>
             <a:fld id="{99256A79-1724-42A1-8D55-1F5CA55068C7}" type="datetime1">
               <a:rPr lang="cs-CZ" smtClean="0"/>
-              <a:t>25.09.2023</a:t>
+              <a:t>05.10.2023</a:t>
             </a:fld>
             <a:endParaRPr lang="cs-CZ"/>
           </a:p>
@@ -2342,7 +2342,7 @@
           <a:p>
             <a:fld id="{AD5421B8-F398-4E5C-A7D8-AC66D2AC4B0A}" type="datetime1">
               <a:rPr lang="cs-CZ" smtClean="0"/>
-              <a:t>25.09.2023</a:t>
+              <a:t>05.10.2023</a:t>
             </a:fld>
             <a:endParaRPr lang="cs-CZ"/>
           </a:p>
@@ -2483,7 +2483,7 @@
           <a:p>
             <a:fld id="{F288F950-1C28-46FF-A7C8-4BEE2AF7A833}" type="datetime1">
               <a:rPr lang="cs-CZ" smtClean="0"/>
-              <a:t>25.09.2023</a:t>
+              <a:t>05.10.2023</a:t>
             </a:fld>
             <a:endParaRPr lang="cs-CZ"/>
           </a:p>
@@ -2596,7 +2596,7 @@
           <a:p>
             <a:fld id="{6BE2F2ED-E12A-46D5-A664-F65306655897}" type="datetime1">
               <a:rPr lang="cs-CZ" smtClean="0"/>
-              <a:t>25.09.2023</a:t>
+              <a:t>05.10.2023</a:t>
             </a:fld>
             <a:endParaRPr lang="cs-CZ"/>
           </a:p>
@@ -2907,7 +2907,7 @@
           <a:p>
             <a:fld id="{52E98677-007C-429E-84E1-5028F764232B}" type="datetime1">
               <a:rPr lang="cs-CZ" smtClean="0"/>
-              <a:t>25.09.2023</a:t>
+              <a:t>05.10.2023</a:t>
             </a:fld>
             <a:endParaRPr lang="cs-CZ"/>
           </a:p>
@@ -3195,7 +3195,7 @@
           <a:p>
             <a:fld id="{DAA27388-066E-40FE-8AC0-624E15108BC2}" type="datetime1">
               <a:rPr lang="cs-CZ" smtClean="0"/>
-              <a:t>25.09.2023</a:t>
+              <a:t>05.10.2023</a:t>
             </a:fld>
             <a:endParaRPr lang="cs-CZ"/>
           </a:p>
@@ -3436,7 +3436,7 @@
           <a:p>
             <a:fld id="{3ACA0928-5A49-4ABC-8407-F4F2AFC2513B}" type="datetime1">
               <a:rPr lang="cs-CZ" smtClean="0"/>
-              <a:t>25.09.2023</a:t>
+              <a:t>05.10.2023</a:t>
             </a:fld>
             <a:endParaRPr lang="cs-CZ"/>
           </a:p>
@@ -4219,6 +4219,16 @@
             <a:r>
               <a:rPr lang="cs-CZ" b="1" dirty="0"/>
               <a:t>font</a:t>
+            </a:r>
+          </a:p>
+          <a:p>
+            <a:r>
+              <a:rPr lang="cs-CZ" dirty="0"/>
+              <a:t>Příkaz </a:t>
+            </a:r>
+            <a:r>
+              <a:rPr lang="cs-CZ" b="1" dirty="0"/>
+              <a:t>hr</a:t>
             </a:r>
           </a:p>
           <a:p>

--- a/Tvorba webových stránek 1.pptx
+++ b/Tvorba webových stránek 1.pptx
@@ -23,11 +23,11 @@
     <p:sldId id="267" r:id="rId14"/>
     <p:sldId id="268" r:id="rId15"/>
     <p:sldId id="269" r:id="rId16"/>
-    <p:sldId id="270" r:id="rId17"/>
-    <p:sldId id="271" r:id="rId18"/>
-    <p:sldId id="272" r:id="rId19"/>
-    <p:sldId id="273" r:id="rId20"/>
-    <p:sldId id="274" r:id="rId21"/>
+    <p:sldId id="274" r:id="rId17"/>
+    <p:sldId id="270" r:id="rId18"/>
+    <p:sldId id="271" r:id="rId19"/>
+    <p:sldId id="272" r:id="rId20"/>
+    <p:sldId id="273" r:id="rId21"/>
     <p:sldId id="275" r:id="rId22"/>
     <p:sldId id="276" r:id="rId23"/>
     <p:sldId id="277" r:id="rId24"/>
@@ -202,17 +202,17 @@
             <p14:sldId id="269"/>
           </p14:sldIdLst>
         </p14:section>
+        <p14:section name="Textové editory" id="{BA8FFEC5-A9C2-4646-9B16-CFE88445512A}">
+          <p14:sldIdLst>
+            <p14:sldId id="274"/>
+          </p14:sldIdLst>
+        </p14:section>
         <p14:section name="Formátování textu 2" id="{A2D0F7AD-87F6-4B80-A1E2-FA598D4130A7}">
           <p14:sldIdLst>
             <p14:sldId id="270"/>
             <p14:sldId id="271"/>
             <p14:sldId id="272"/>
             <p14:sldId id="273"/>
-          </p14:sldIdLst>
-        </p14:section>
-        <p14:section name="Textové editory" id="{BA8FFEC5-A9C2-4646-9B16-CFE88445512A}">
-          <p14:sldIdLst>
-            <p14:sldId id="274"/>
           </p14:sldIdLst>
         </p14:section>
         <p14:section name="Bloky a pozicování objektů" id="{FA410D63-E338-4E01-974C-8F85B312F05D}">
@@ -372,7 +372,7 @@
           <a:p>
             <a:fld id="{633219D4-7B58-4455-901E-DAF5B16E6890}" type="datetimeFigureOut">
               <a:rPr lang="cs-CZ" smtClean="0"/>
-              <a:t>05.10.2023</a:t>
+              <a:t>23.10.2023</a:t>
             </a:fld>
             <a:endParaRPr lang="cs-CZ"/>
           </a:p>
@@ -786,7 +786,7 @@
           <a:p>
             <a:fld id="{60FA9807-668D-49D6-BD59-266CE0ED31C1}" type="datetime1">
               <a:rPr lang="cs-CZ" smtClean="0"/>
-              <a:t>05.10.2023</a:t>
+              <a:t>23.10.2023</a:t>
             </a:fld>
             <a:endParaRPr lang="cs-CZ"/>
           </a:p>
@@ -984,7 +984,7 @@
           <a:p>
             <a:fld id="{6C4BC1DB-645C-42E6-8BC0-ABFA7001E04D}" type="datetime1">
               <a:rPr lang="cs-CZ" smtClean="0"/>
-              <a:t>05.10.2023</a:t>
+              <a:t>23.10.2023</a:t>
             </a:fld>
             <a:endParaRPr lang="cs-CZ"/>
           </a:p>
@@ -1192,7 +1192,7 @@
           <a:p>
             <a:fld id="{680827B2-4A68-483D-A954-5F6E914556D1}" type="datetime1">
               <a:rPr lang="cs-CZ" smtClean="0"/>
-              <a:t>05.10.2023</a:t>
+              <a:t>23.10.2023</a:t>
             </a:fld>
             <a:endParaRPr lang="cs-CZ"/>
           </a:p>
@@ -1390,7 +1390,7 @@
           <a:p>
             <a:fld id="{EB78CF32-CCF4-4BE4-9053-C37981F01BDA}" type="datetime1">
               <a:rPr lang="cs-CZ" smtClean="0"/>
-              <a:t>05.10.2023</a:t>
+              <a:t>23.10.2023</a:t>
             </a:fld>
             <a:endParaRPr lang="cs-CZ"/>
           </a:p>
@@ -1665,7 +1665,7 @@
           <a:p>
             <a:fld id="{A19D7E4A-730F-46D1-832D-77C420F1505A}" type="datetime1">
               <a:rPr lang="cs-CZ" smtClean="0"/>
-              <a:t>05.10.2023</a:t>
+              <a:t>23.10.2023</a:t>
             </a:fld>
             <a:endParaRPr lang="cs-CZ"/>
           </a:p>
@@ -1930,7 +1930,7 @@
           <a:p>
             <a:fld id="{99256A79-1724-42A1-8D55-1F5CA55068C7}" type="datetime1">
               <a:rPr lang="cs-CZ" smtClean="0"/>
-              <a:t>05.10.2023</a:t>
+              <a:t>23.10.2023</a:t>
             </a:fld>
             <a:endParaRPr lang="cs-CZ"/>
           </a:p>
@@ -2342,7 +2342,7 @@
           <a:p>
             <a:fld id="{AD5421B8-F398-4E5C-A7D8-AC66D2AC4B0A}" type="datetime1">
               <a:rPr lang="cs-CZ" smtClean="0"/>
-              <a:t>05.10.2023</a:t>
+              <a:t>23.10.2023</a:t>
             </a:fld>
             <a:endParaRPr lang="cs-CZ"/>
           </a:p>
@@ -2483,7 +2483,7 @@
           <a:p>
             <a:fld id="{F288F950-1C28-46FF-A7C8-4BEE2AF7A833}" type="datetime1">
               <a:rPr lang="cs-CZ" smtClean="0"/>
-              <a:t>05.10.2023</a:t>
+              <a:t>23.10.2023</a:t>
             </a:fld>
             <a:endParaRPr lang="cs-CZ"/>
           </a:p>
@@ -2596,7 +2596,7 @@
           <a:p>
             <a:fld id="{6BE2F2ED-E12A-46D5-A664-F65306655897}" type="datetime1">
               <a:rPr lang="cs-CZ" smtClean="0"/>
-              <a:t>05.10.2023</a:t>
+              <a:t>23.10.2023</a:t>
             </a:fld>
             <a:endParaRPr lang="cs-CZ"/>
           </a:p>
@@ -2907,7 +2907,7 @@
           <a:p>
             <a:fld id="{52E98677-007C-429E-84E1-5028F764232B}" type="datetime1">
               <a:rPr lang="cs-CZ" smtClean="0"/>
-              <a:t>05.10.2023</a:t>
+              <a:t>23.10.2023</a:t>
             </a:fld>
             <a:endParaRPr lang="cs-CZ"/>
           </a:p>
@@ -3195,7 +3195,7 @@
           <a:p>
             <a:fld id="{DAA27388-066E-40FE-8AC0-624E15108BC2}" type="datetime1">
               <a:rPr lang="cs-CZ" smtClean="0"/>
-              <a:t>05.10.2023</a:t>
+              <a:t>23.10.2023</a:t>
             </a:fld>
             <a:endParaRPr lang="cs-CZ"/>
           </a:p>
@@ -3436,7 +3436,7 @@
           <a:p>
             <a:fld id="{3ACA0928-5A49-4ABC-8407-F4F2AFC2513B}" type="datetime1">
               <a:rPr lang="cs-CZ" smtClean="0"/>
-              <a:t>05.10.2023</a:t>
+              <a:t>23.10.2023</a:t>
             </a:fld>
             <a:endParaRPr lang="cs-CZ"/>
           </a:p>
@@ -4866,7 +4866,7 @@
           <p:cNvPr id="2" name="Nadpis 1">
             <a:extLst>
               <a:ext uri="{FF2B5EF4-FFF2-40B4-BE49-F238E27FC236}">
-                <a16:creationId xmlns:a16="http://schemas.microsoft.com/office/drawing/2014/main" id="{20401AD2-434E-A1D3-44B2-878042F6B907}"/>
+                <a16:creationId xmlns:a16="http://schemas.microsoft.com/office/drawing/2014/main" id="{21CD59A5-11AC-A367-582F-72101308DEBF}"/>
               </a:ext>
             </a:extLst>
           </p:cNvPr>
@@ -4884,7 +4884,7 @@
           <a:p>
             <a:r>
               <a:rPr lang="cs-CZ" dirty="0"/>
-              <a:t>Formátování textu pomocí CSS</a:t>
+              <a:t>Textové editory</a:t>
             </a:r>
           </a:p>
         </p:txBody>
@@ -4894,7 +4894,7 @@
           <p:cNvPr id="3" name="Zástupný obsah 2">
             <a:extLst>
               <a:ext uri="{FF2B5EF4-FFF2-40B4-BE49-F238E27FC236}">
-                <a16:creationId xmlns:a16="http://schemas.microsoft.com/office/drawing/2014/main" id="{F8B6D772-9E5F-8458-0299-CCBE5EC39CDD}"/>
+                <a16:creationId xmlns:a16="http://schemas.microsoft.com/office/drawing/2014/main" id="{70A776A2-53A9-67DE-B6ED-BAE4932E26B2}"/>
               </a:ext>
             </a:extLst>
           </p:cNvPr>
@@ -4912,83 +4912,50 @@
           <a:p>
             <a:r>
               <a:rPr lang="cs-CZ" dirty="0"/>
-              <a:t>Cvičení na HTML příkazy</a:t>
-            </a:r>
-          </a:p>
-          <a:p>
-            <a:r>
-              <a:rPr lang="cs-CZ" dirty="0"/>
-              <a:t>Komentáře v CSS</a:t>
-            </a:r>
-          </a:p>
-          <a:p>
-            <a:r>
-              <a:rPr lang="cs-CZ" dirty="0"/>
-              <a:t>CSS atributy</a:t>
-            </a:r>
-          </a:p>
-          <a:p>
-            <a:pPr lvl="1"/>
-            <a:r>
-              <a:rPr lang="cs-CZ" b="1" dirty="0" err="1"/>
-              <a:t>color</a:t>
-            </a:r>
-            <a:endParaRPr lang="cs-CZ" b="1" dirty="0"/>
-          </a:p>
-          <a:p>
-            <a:pPr lvl="1"/>
-            <a:r>
-              <a:rPr lang="cs-CZ" b="1" dirty="0"/>
-              <a:t>Text-</a:t>
-            </a:r>
-            <a:r>
-              <a:rPr lang="cs-CZ" b="1" dirty="0" err="1"/>
-              <a:t>align</a:t>
-            </a:r>
-            <a:endParaRPr lang="cs-CZ" b="1" dirty="0"/>
-          </a:p>
-          <a:p>
-            <a:pPr lvl="1"/>
-            <a:r>
-              <a:rPr lang="cs-CZ" b="1" dirty="0"/>
-              <a:t>Font-</a:t>
-            </a:r>
-            <a:r>
-              <a:rPr lang="cs-CZ" b="1" dirty="0" err="1"/>
-              <a:t>size</a:t>
-            </a:r>
-            <a:r>
-              <a:rPr lang="cs-CZ" b="1" dirty="0"/>
-              <a:t>, font-</a:t>
-            </a:r>
-            <a:r>
-              <a:rPr lang="cs-CZ" b="1" dirty="0" err="1"/>
-              <a:t>weight</a:t>
-            </a:r>
-            <a:r>
-              <a:rPr lang="cs-CZ" b="1" dirty="0"/>
-              <a:t>, font-style</a:t>
-            </a:r>
-          </a:p>
-          <a:p>
-            <a:pPr lvl="1"/>
-            <a:r>
-              <a:rPr lang="cs-CZ" b="1" dirty="0"/>
-              <a:t>Text-</a:t>
-            </a:r>
-            <a:r>
-              <a:rPr lang="cs-CZ" b="1" dirty="0" err="1"/>
-              <a:t>decoration</a:t>
-            </a:r>
-            <a:r>
-              <a:rPr lang="cs-CZ" b="1" dirty="0"/>
-              <a:t>, text-</a:t>
-            </a:r>
-            <a:r>
-              <a:rPr lang="cs-CZ" b="1" dirty="0" err="1"/>
-              <a:t>transform</a:t>
-            </a:r>
-            <a:endParaRPr lang="cs-CZ" b="1" dirty="0"/>
+              <a:t>VS </a:t>
+            </a:r>
+            <a:r>
+              <a:rPr lang="cs-CZ" dirty="0" err="1"/>
+              <a:t>Code</a:t>
+            </a:r>
+            <a:r>
+              <a:rPr lang="cs-CZ" dirty="0"/>
+              <a:t>, </a:t>
+            </a:r>
+            <a:r>
+              <a:rPr lang="cs-CZ" dirty="0" err="1"/>
+              <a:t>Sublime</a:t>
+            </a:r>
+            <a:r>
+              <a:rPr lang="cs-CZ" dirty="0"/>
+              <a:t> text, Notepad++, </a:t>
+            </a:r>
+            <a:r>
+              <a:rPr lang="cs-CZ" dirty="0" err="1"/>
+              <a:t>Vim</a:t>
+            </a:r>
+            <a:r>
+              <a:rPr lang="cs-CZ" dirty="0"/>
+              <a:t>, Atom</a:t>
+            </a:r>
+          </a:p>
+          <a:p>
+            <a:r>
+              <a:rPr lang="cs-CZ" dirty="0"/>
+              <a:t>Výhody vs nevýhody</a:t>
+            </a:r>
+          </a:p>
+          <a:p>
+            <a:r>
+              <a:rPr lang="cs-CZ" dirty="0"/>
+              <a:t>Online editory</a:t>
+            </a:r>
+          </a:p>
+          <a:p>
+            <a:r>
+              <a:rPr lang="cs-CZ" dirty="0"/>
+              <a:t>WYSWYG</a:t>
+            </a:r>
           </a:p>
         </p:txBody>
       </p:sp>
@@ -4997,7 +4964,7 @@
           <p:cNvPr id="4" name="Zástupný symbol pro číslo snímku 3">
             <a:extLst>
               <a:ext uri="{FF2B5EF4-FFF2-40B4-BE49-F238E27FC236}">
-                <a16:creationId xmlns:a16="http://schemas.microsoft.com/office/drawing/2014/main" id="{0FB8138E-AF24-6887-0E17-F489FFA48984}"/>
+                <a16:creationId xmlns:a16="http://schemas.microsoft.com/office/drawing/2014/main" id="{D3585E81-ACAD-143C-11F1-AFE22C09DD3F}"/>
               </a:ext>
             </a:extLst>
           </p:cNvPr>
@@ -5024,7 +4991,7 @@
     </p:spTree>
     <p:extLst>
       <p:ext uri="{BB962C8B-B14F-4D97-AF65-F5344CB8AC3E}">
-        <p14:creationId xmlns:p14="http://schemas.microsoft.com/office/powerpoint/2010/main" val="4174818961"/>
+        <p14:creationId xmlns:p14="http://schemas.microsoft.com/office/powerpoint/2010/main" val="1438444960"/>
       </p:ext>
     </p:extLst>
   </p:cSld>
@@ -5056,7 +5023,7 @@
           <p:cNvPr id="2" name="Nadpis 1">
             <a:extLst>
               <a:ext uri="{FF2B5EF4-FFF2-40B4-BE49-F238E27FC236}">
-                <a16:creationId xmlns:a16="http://schemas.microsoft.com/office/drawing/2014/main" id="{F455A1AC-5DC2-C45C-B4E9-4AE83BAF7B8D}"/>
+                <a16:creationId xmlns:a16="http://schemas.microsoft.com/office/drawing/2014/main" id="{20401AD2-434E-A1D3-44B2-878042F6B907}"/>
               </a:ext>
             </a:extLst>
           </p:cNvPr>
@@ -5074,7 +5041,7 @@
           <a:p>
             <a:r>
               <a:rPr lang="cs-CZ" dirty="0"/>
-              <a:t>Formátování textu 3</a:t>
+              <a:t>Formátování textu pomocí CSS</a:t>
             </a:r>
           </a:p>
         </p:txBody>
@@ -5084,7 +5051,7 @@
           <p:cNvPr id="3" name="Zástupný obsah 2">
             <a:extLst>
               <a:ext uri="{FF2B5EF4-FFF2-40B4-BE49-F238E27FC236}">
-                <a16:creationId xmlns:a16="http://schemas.microsoft.com/office/drawing/2014/main" id="{C5F5F727-CF36-878D-1672-9C82DB440A64}"/>
+                <a16:creationId xmlns:a16="http://schemas.microsoft.com/office/drawing/2014/main" id="{F8B6D772-9E5F-8458-0299-CCBE5EC39CDD}"/>
               </a:ext>
             </a:extLst>
           </p:cNvPr>
@@ -5102,14 +5069,83 @@
           <a:p>
             <a:r>
               <a:rPr lang="cs-CZ" dirty="0"/>
-              <a:t>Cvičení – Tvorba souvislého textu a jeho grafická úprava</a:t>
-            </a:r>
-          </a:p>
-          <a:p>
-            <a:r>
-              <a:rPr lang="cs-CZ" dirty="0"/>
-              <a:t>Připojení externího fontu písma</a:t>
-            </a:r>
+              <a:t>Cvičení na HTML příkazy</a:t>
+            </a:r>
+          </a:p>
+          <a:p>
+            <a:r>
+              <a:rPr lang="cs-CZ" dirty="0"/>
+              <a:t>Komentáře v CSS</a:t>
+            </a:r>
+          </a:p>
+          <a:p>
+            <a:r>
+              <a:rPr lang="cs-CZ" dirty="0"/>
+              <a:t>CSS atributy</a:t>
+            </a:r>
+          </a:p>
+          <a:p>
+            <a:pPr lvl="1"/>
+            <a:r>
+              <a:rPr lang="cs-CZ" b="1" dirty="0" err="1"/>
+              <a:t>color</a:t>
+            </a:r>
+            <a:endParaRPr lang="cs-CZ" b="1" dirty="0"/>
+          </a:p>
+          <a:p>
+            <a:pPr lvl="1"/>
+            <a:r>
+              <a:rPr lang="cs-CZ" b="1" dirty="0"/>
+              <a:t>Text-</a:t>
+            </a:r>
+            <a:r>
+              <a:rPr lang="cs-CZ" b="1" dirty="0" err="1"/>
+              <a:t>align</a:t>
+            </a:r>
+            <a:endParaRPr lang="cs-CZ" b="1" dirty="0"/>
+          </a:p>
+          <a:p>
+            <a:pPr lvl="1"/>
+            <a:r>
+              <a:rPr lang="cs-CZ" b="1" dirty="0"/>
+              <a:t>Font-</a:t>
+            </a:r>
+            <a:r>
+              <a:rPr lang="cs-CZ" b="1" dirty="0" err="1"/>
+              <a:t>size</a:t>
+            </a:r>
+            <a:r>
+              <a:rPr lang="cs-CZ" b="1" dirty="0"/>
+              <a:t>, font-</a:t>
+            </a:r>
+            <a:r>
+              <a:rPr lang="cs-CZ" b="1" dirty="0" err="1"/>
+              <a:t>weight</a:t>
+            </a:r>
+            <a:r>
+              <a:rPr lang="cs-CZ" b="1" dirty="0"/>
+              <a:t>, font-style</a:t>
+            </a:r>
+          </a:p>
+          <a:p>
+            <a:pPr lvl="1"/>
+            <a:r>
+              <a:rPr lang="cs-CZ" b="1" dirty="0"/>
+              <a:t>Text-</a:t>
+            </a:r>
+            <a:r>
+              <a:rPr lang="cs-CZ" b="1" dirty="0" err="1"/>
+              <a:t>decoration</a:t>
+            </a:r>
+            <a:r>
+              <a:rPr lang="cs-CZ" b="1" dirty="0"/>
+              <a:t>, text-</a:t>
+            </a:r>
+            <a:r>
+              <a:rPr lang="cs-CZ" b="1" dirty="0" err="1"/>
+              <a:t>transform</a:t>
+            </a:r>
+            <a:endParaRPr lang="cs-CZ" b="1" dirty="0"/>
           </a:p>
         </p:txBody>
       </p:sp>
@@ -5118,7 +5154,7 @@
           <p:cNvPr id="4" name="Zástupný symbol pro číslo snímku 3">
             <a:extLst>
               <a:ext uri="{FF2B5EF4-FFF2-40B4-BE49-F238E27FC236}">
-                <a16:creationId xmlns:a16="http://schemas.microsoft.com/office/drawing/2014/main" id="{805252CD-C9AF-0AEF-A50B-D1599FCF78DC}"/>
+                <a16:creationId xmlns:a16="http://schemas.microsoft.com/office/drawing/2014/main" id="{0FB8138E-AF24-6887-0E17-F489FFA48984}"/>
               </a:ext>
             </a:extLst>
           </p:cNvPr>
@@ -5145,7 +5181,7 @@
     </p:spTree>
     <p:extLst>
       <p:ext uri="{BB962C8B-B14F-4D97-AF65-F5344CB8AC3E}">
-        <p14:creationId xmlns:p14="http://schemas.microsoft.com/office/powerpoint/2010/main" val="1859437770"/>
+        <p14:creationId xmlns:p14="http://schemas.microsoft.com/office/powerpoint/2010/main" val="4174818961"/>
       </p:ext>
     </p:extLst>
   </p:cSld>
@@ -5177,7 +5213,7 @@
           <p:cNvPr id="2" name="Nadpis 1">
             <a:extLst>
               <a:ext uri="{FF2B5EF4-FFF2-40B4-BE49-F238E27FC236}">
-                <a16:creationId xmlns:a16="http://schemas.microsoft.com/office/drawing/2014/main" id="{9BD90730-4C7E-C7FE-966F-1EC6241D8B5E}"/>
+                <a16:creationId xmlns:a16="http://schemas.microsoft.com/office/drawing/2014/main" id="{F455A1AC-5DC2-C45C-B4E9-4AE83BAF7B8D}"/>
               </a:ext>
             </a:extLst>
           </p:cNvPr>
@@ -5195,7 +5231,7 @@
           <a:p>
             <a:r>
               <a:rPr lang="cs-CZ" dirty="0"/>
-              <a:t>Test č. 4</a:t>
+              <a:t>Formátování textu 3</a:t>
             </a:r>
           </a:p>
         </p:txBody>
@@ -5205,7 +5241,7 @@
           <p:cNvPr id="3" name="Zástupný obsah 2">
             <a:extLst>
               <a:ext uri="{FF2B5EF4-FFF2-40B4-BE49-F238E27FC236}">
-                <a16:creationId xmlns:a16="http://schemas.microsoft.com/office/drawing/2014/main" id="{0F0981D0-75DA-C61C-4A53-1B6C8C14411A}"/>
+                <a16:creationId xmlns:a16="http://schemas.microsoft.com/office/drawing/2014/main" id="{C5F5F727-CF36-878D-1672-9C82DB440A64}"/>
               </a:ext>
             </a:extLst>
           </p:cNvPr>
@@ -5221,18 +5257,15 @@
           <a:bodyPr/>
           <a:lstStyle/>
           <a:p>
-            <a:pPr marL="0" indent="0">
-              <a:buNone/>
-            </a:pPr>
-            <a:r>
-              <a:rPr lang="cs-CZ" dirty="0"/>
-              <a:t>Tvorba souvislého textu</a:t>
-            </a:r>
-          </a:p>
-          <a:p>
-            <a:r>
-              <a:rPr lang="cs-CZ" dirty="0"/>
-              <a:t>Student dokáže vhodně naformátovat text dokumentu a používat potřebné HTML prvky a vlastnosti pomocí CSS</a:t>
+            <a:r>
+              <a:rPr lang="cs-CZ" dirty="0"/>
+              <a:t>Cvičení – Tvorba souvislého textu a jeho grafická úprava</a:t>
+            </a:r>
+          </a:p>
+          <a:p>
+            <a:r>
+              <a:rPr lang="cs-CZ" dirty="0"/>
+              <a:t>Připojení externího fontu písma</a:t>
             </a:r>
           </a:p>
         </p:txBody>
@@ -5242,7 +5275,7 @@
           <p:cNvPr id="4" name="Zástupný symbol pro číslo snímku 3">
             <a:extLst>
               <a:ext uri="{FF2B5EF4-FFF2-40B4-BE49-F238E27FC236}">
-                <a16:creationId xmlns:a16="http://schemas.microsoft.com/office/drawing/2014/main" id="{A5EC42C2-847B-B97F-6740-A41259D0CA13}"/>
+                <a16:creationId xmlns:a16="http://schemas.microsoft.com/office/drawing/2014/main" id="{805252CD-C9AF-0AEF-A50B-D1599FCF78DC}"/>
               </a:ext>
             </a:extLst>
           </p:cNvPr>
@@ -5269,7 +5302,7 @@
     </p:spTree>
     <p:extLst>
       <p:ext uri="{BB962C8B-B14F-4D97-AF65-F5344CB8AC3E}">
-        <p14:creationId xmlns:p14="http://schemas.microsoft.com/office/powerpoint/2010/main" val="1271579998"/>
+        <p14:creationId xmlns:p14="http://schemas.microsoft.com/office/powerpoint/2010/main" val="1859437770"/>
       </p:ext>
     </p:extLst>
   </p:cSld>
@@ -5301,7 +5334,7 @@
           <p:cNvPr id="2" name="Nadpis 1">
             <a:extLst>
               <a:ext uri="{FF2B5EF4-FFF2-40B4-BE49-F238E27FC236}">
-                <a16:creationId xmlns:a16="http://schemas.microsoft.com/office/drawing/2014/main" id="{A9B43664-F0DF-6DC5-275B-A0ABD4A2AFFC}"/>
+                <a16:creationId xmlns:a16="http://schemas.microsoft.com/office/drawing/2014/main" id="{9BD90730-4C7E-C7FE-966F-1EC6241D8B5E}"/>
               </a:ext>
             </a:extLst>
           </p:cNvPr>
@@ -5319,7 +5352,7 @@
           <a:p>
             <a:r>
               <a:rPr lang="cs-CZ" dirty="0"/>
-              <a:t>Opakování probrané látky</a:t>
+              <a:t>Test č. 4</a:t>
             </a:r>
           </a:p>
         </p:txBody>
@@ -5329,7 +5362,7 @@
           <p:cNvPr id="3" name="Zástupný obsah 2">
             <a:extLst>
               <a:ext uri="{FF2B5EF4-FFF2-40B4-BE49-F238E27FC236}">
-                <a16:creationId xmlns:a16="http://schemas.microsoft.com/office/drawing/2014/main" id="{578D8A10-92C3-E446-E33A-D5224867EB2F}"/>
+                <a16:creationId xmlns:a16="http://schemas.microsoft.com/office/drawing/2014/main" id="{0F0981D0-75DA-C61C-4A53-1B6C8C14411A}"/>
               </a:ext>
             </a:extLst>
           </p:cNvPr>
@@ -5345,7 +5378,19 @@
           <a:bodyPr/>
           <a:lstStyle/>
           <a:p>
-            <a:endParaRPr lang="cs-CZ" dirty="0"/>
+            <a:pPr marL="0" indent="0">
+              <a:buNone/>
+            </a:pPr>
+            <a:r>
+              <a:rPr lang="cs-CZ" dirty="0"/>
+              <a:t>Tvorba souvislého textu</a:t>
+            </a:r>
+          </a:p>
+          <a:p>
+            <a:r>
+              <a:rPr lang="cs-CZ" dirty="0"/>
+              <a:t>Student dokáže vhodně naformátovat text dokumentu a používat potřebné HTML prvky a vlastnosti pomocí CSS</a:t>
+            </a:r>
           </a:p>
         </p:txBody>
       </p:sp>
@@ -5354,7 +5399,7 @@
           <p:cNvPr id="4" name="Zástupný symbol pro číslo snímku 3">
             <a:extLst>
               <a:ext uri="{FF2B5EF4-FFF2-40B4-BE49-F238E27FC236}">
-                <a16:creationId xmlns:a16="http://schemas.microsoft.com/office/drawing/2014/main" id="{6863426E-B25A-1448-44AA-1AE850829096}"/>
+                <a16:creationId xmlns:a16="http://schemas.microsoft.com/office/drawing/2014/main" id="{A5EC42C2-847B-B97F-6740-A41259D0CA13}"/>
               </a:ext>
             </a:extLst>
           </p:cNvPr>
@@ -5381,7 +5426,7 @@
     </p:spTree>
     <p:extLst>
       <p:ext uri="{BB962C8B-B14F-4D97-AF65-F5344CB8AC3E}">
-        <p14:creationId xmlns:p14="http://schemas.microsoft.com/office/powerpoint/2010/main" val="3873379021"/>
+        <p14:creationId xmlns:p14="http://schemas.microsoft.com/office/powerpoint/2010/main" val="1271579998"/>
       </p:ext>
     </p:extLst>
   </p:cSld>
@@ -6331,7 +6376,7 @@
           <p:cNvPr id="2" name="Nadpis 1">
             <a:extLst>
               <a:ext uri="{FF2B5EF4-FFF2-40B4-BE49-F238E27FC236}">
-                <a16:creationId xmlns:a16="http://schemas.microsoft.com/office/drawing/2014/main" id="{21CD59A5-11AC-A367-582F-72101308DEBF}"/>
+                <a16:creationId xmlns:a16="http://schemas.microsoft.com/office/drawing/2014/main" id="{A9B43664-F0DF-6DC5-275B-A0ABD4A2AFFC}"/>
               </a:ext>
             </a:extLst>
           </p:cNvPr>
@@ -6349,7 +6394,7 @@
           <a:p>
             <a:r>
               <a:rPr lang="cs-CZ" dirty="0"/>
-              <a:t>Textové editory</a:t>
+              <a:t>Opakování probrané látky</a:t>
             </a:r>
           </a:p>
         </p:txBody>
@@ -6359,7 +6404,7 @@
           <p:cNvPr id="3" name="Zástupný obsah 2">
             <a:extLst>
               <a:ext uri="{FF2B5EF4-FFF2-40B4-BE49-F238E27FC236}">
-                <a16:creationId xmlns:a16="http://schemas.microsoft.com/office/drawing/2014/main" id="{70A776A2-53A9-67DE-B6ED-BAE4932E26B2}"/>
+                <a16:creationId xmlns:a16="http://schemas.microsoft.com/office/drawing/2014/main" id="{578D8A10-92C3-E446-E33A-D5224867EB2F}"/>
               </a:ext>
             </a:extLst>
           </p:cNvPr>
@@ -6375,52 +6420,7 @@
           <a:bodyPr/>
           <a:lstStyle/>
           <a:p>
-            <a:r>
-              <a:rPr lang="cs-CZ" dirty="0"/>
-              <a:t>VS </a:t>
-            </a:r>
-            <a:r>
-              <a:rPr lang="cs-CZ" dirty="0" err="1"/>
-              <a:t>Code</a:t>
-            </a:r>
-            <a:r>
-              <a:rPr lang="cs-CZ" dirty="0"/>
-              <a:t>, </a:t>
-            </a:r>
-            <a:r>
-              <a:rPr lang="cs-CZ" dirty="0" err="1"/>
-              <a:t>Sublime</a:t>
-            </a:r>
-            <a:r>
-              <a:rPr lang="cs-CZ" dirty="0"/>
-              <a:t> text, Notepad++, </a:t>
-            </a:r>
-            <a:r>
-              <a:rPr lang="cs-CZ" dirty="0" err="1"/>
-              <a:t>Vim</a:t>
-            </a:r>
-            <a:r>
-              <a:rPr lang="cs-CZ" dirty="0"/>
-              <a:t>, Atom</a:t>
-            </a:r>
-          </a:p>
-          <a:p>
-            <a:r>
-              <a:rPr lang="cs-CZ" dirty="0"/>
-              <a:t>Výhody vs nevýhody</a:t>
-            </a:r>
-          </a:p>
-          <a:p>
-            <a:r>
-              <a:rPr lang="cs-CZ" dirty="0"/>
-              <a:t>Online editory</a:t>
-            </a:r>
-          </a:p>
-          <a:p>
-            <a:r>
-              <a:rPr lang="cs-CZ" dirty="0"/>
-              <a:t>WYSWYG</a:t>
-            </a:r>
+            <a:endParaRPr lang="cs-CZ" dirty="0"/>
           </a:p>
         </p:txBody>
       </p:sp>
@@ -6429,7 +6429,7 @@
           <p:cNvPr id="4" name="Zástupný symbol pro číslo snímku 3">
             <a:extLst>
               <a:ext uri="{FF2B5EF4-FFF2-40B4-BE49-F238E27FC236}">
-                <a16:creationId xmlns:a16="http://schemas.microsoft.com/office/drawing/2014/main" id="{D3585E81-ACAD-143C-11F1-AFE22C09DD3F}"/>
+                <a16:creationId xmlns:a16="http://schemas.microsoft.com/office/drawing/2014/main" id="{6863426E-B25A-1448-44AA-1AE850829096}"/>
               </a:ext>
             </a:extLst>
           </p:cNvPr>
@@ -6456,7 +6456,7 @@
     </p:spTree>
     <p:extLst>
       <p:ext uri="{BB962C8B-B14F-4D97-AF65-F5344CB8AC3E}">
-        <p14:creationId xmlns:p14="http://schemas.microsoft.com/office/powerpoint/2010/main" val="1438444960"/>
+        <p14:creationId xmlns:p14="http://schemas.microsoft.com/office/powerpoint/2010/main" val="3873379021"/>
       </p:ext>
     </p:extLst>
   </p:cSld>

--- a/Tvorba webových stránek 1.pptx
+++ b/Tvorba webových stránek 1.pptx
@@ -32,12 +32,12 @@
     <p:sldId id="276" r:id="rId23"/>
     <p:sldId id="277" r:id="rId24"/>
     <p:sldId id="278" r:id="rId25"/>
-    <p:sldId id="279" r:id="rId26"/>
-    <p:sldId id="280" r:id="rId27"/>
-    <p:sldId id="281" r:id="rId28"/>
-    <p:sldId id="282" r:id="rId29"/>
-    <p:sldId id="283" r:id="rId30"/>
-    <p:sldId id="304" r:id="rId31"/>
+    <p:sldId id="304" r:id="rId26"/>
+    <p:sldId id="279" r:id="rId27"/>
+    <p:sldId id="280" r:id="rId28"/>
+    <p:sldId id="281" r:id="rId29"/>
+    <p:sldId id="282" r:id="rId30"/>
+    <p:sldId id="283" r:id="rId31"/>
     <p:sldId id="284" r:id="rId32"/>
     <p:sldId id="285" r:id="rId33"/>
     <p:sldId id="286" r:id="rId34"/>
@@ -221,6 +221,7 @@
             <p14:sldId id="276"/>
             <p14:sldId id="277"/>
             <p14:sldId id="278"/>
+            <p14:sldId id="304"/>
             <p14:sldId id="279"/>
             <p14:sldId id="280"/>
           </p14:sldIdLst>
@@ -230,7 +231,6 @@
             <p14:sldId id="281"/>
             <p14:sldId id="282"/>
             <p14:sldId id="283"/>
-            <p14:sldId id="304"/>
             <p14:sldId id="284"/>
           </p14:sldIdLst>
         </p14:section>
@@ -372,7 +372,7 @@
           <a:p>
             <a:fld id="{633219D4-7B58-4455-901E-DAF5B16E6890}" type="datetimeFigureOut">
               <a:rPr lang="cs-CZ" smtClean="0"/>
-              <a:t>23.10.2023</a:t>
+              <a:t>04.11.2023</a:t>
             </a:fld>
             <a:endParaRPr lang="cs-CZ"/>
           </a:p>
@@ -786,7 +786,7 @@
           <a:p>
             <a:fld id="{60FA9807-668D-49D6-BD59-266CE0ED31C1}" type="datetime1">
               <a:rPr lang="cs-CZ" smtClean="0"/>
-              <a:t>23.10.2023</a:t>
+              <a:t>04.11.2023</a:t>
             </a:fld>
             <a:endParaRPr lang="cs-CZ"/>
           </a:p>
@@ -984,7 +984,7 @@
           <a:p>
             <a:fld id="{6C4BC1DB-645C-42E6-8BC0-ABFA7001E04D}" type="datetime1">
               <a:rPr lang="cs-CZ" smtClean="0"/>
-              <a:t>23.10.2023</a:t>
+              <a:t>04.11.2023</a:t>
             </a:fld>
             <a:endParaRPr lang="cs-CZ"/>
           </a:p>
@@ -1192,7 +1192,7 @@
           <a:p>
             <a:fld id="{680827B2-4A68-483D-A954-5F6E914556D1}" type="datetime1">
               <a:rPr lang="cs-CZ" smtClean="0"/>
-              <a:t>23.10.2023</a:t>
+              <a:t>04.11.2023</a:t>
             </a:fld>
             <a:endParaRPr lang="cs-CZ"/>
           </a:p>
@@ -1390,7 +1390,7 @@
           <a:p>
             <a:fld id="{EB78CF32-CCF4-4BE4-9053-C37981F01BDA}" type="datetime1">
               <a:rPr lang="cs-CZ" smtClean="0"/>
-              <a:t>23.10.2023</a:t>
+              <a:t>04.11.2023</a:t>
             </a:fld>
             <a:endParaRPr lang="cs-CZ"/>
           </a:p>
@@ -1665,7 +1665,7 @@
           <a:p>
             <a:fld id="{A19D7E4A-730F-46D1-832D-77C420F1505A}" type="datetime1">
               <a:rPr lang="cs-CZ" smtClean="0"/>
-              <a:t>23.10.2023</a:t>
+              <a:t>04.11.2023</a:t>
             </a:fld>
             <a:endParaRPr lang="cs-CZ"/>
           </a:p>
@@ -1930,7 +1930,7 @@
           <a:p>
             <a:fld id="{99256A79-1724-42A1-8D55-1F5CA55068C7}" type="datetime1">
               <a:rPr lang="cs-CZ" smtClean="0"/>
-              <a:t>23.10.2023</a:t>
+              <a:t>04.11.2023</a:t>
             </a:fld>
             <a:endParaRPr lang="cs-CZ"/>
           </a:p>
@@ -2342,7 +2342,7 @@
           <a:p>
             <a:fld id="{AD5421B8-F398-4E5C-A7D8-AC66D2AC4B0A}" type="datetime1">
               <a:rPr lang="cs-CZ" smtClean="0"/>
-              <a:t>23.10.2023</a:t>
+              <a:t>04.11.2023</a:t>
             </a:fld>
             <a:endParaRPr lang="cs-CZ"/>
           </a:p>
@@ -2483,7 +2483,7 @@
           <a:p>
             <a:fld id="{F288F950-1C28-46FF-A7C8-4BEE2AF7A833}" type="datetime1">
               <a:rPr lang="cs-CZ" smtClean="0"/>
-              <a:t>23.10.2023</a:t>
+              <a:t>04.11.2023</a:t>
             </a:fld>
             <a:endParaRPr lang="cs-CZ"/>
           </a:p>
@@ -2596,7 +2596,7 @@
           <a:p>
             <a:fld id="{6BE2F2ED-E12A-46D5-A664-F65306655897}" type="datetime1">
               <a:rPr lang="cs-CZ" smtClean="0"/>
-              <a:t>23.10.2023</a:t>
+              <a:t>04.11.2023</a:t>
             </a:fld>
             <a:endParaRPr lang="cs-CZ"/>
           </a:p>
@@ -2907,7 +2907,7 @@
           <a:p>
             <a:fld id="{52E98677-007C-429E-84E1-5028F764232B}" type="datetime1">
               <a:rPr lang="cs-CZ" smtClean="0"/>
-              <a:t>23.10.2023</a:t>
+              <a:t>04.11.2023</a:t>
             </a:fld>
             <a:endParaRPr lang="cs-CZ"/>
           </a:p>
@@ -3195,7 +3195,7 @@
           <a:p>
             <a:fld id="{DAA27388-066E-40FE-8AC0-624E15108BC2}" type="datetime1">
               <a:rPr lang="cs-CZ" smtClean="0"/>
-              <a:t>23.10.2023</a:t>
+              <a:t>04.11.2023</a:t>
             </a:fld>
             <a:endParaRPr lang="cs-CZ"/>
           </a:p>
@@ -3436,7 +3436,7 @@
           <a:p>
             <a:fld id="{3ACA0928-5A49-4ABC-8407-F4F2AFC2513B}" type="datetime1">
               <a:rPr lang="cs-CZ" smtClean="0"/>
-              <a:t>23.10.2023</a:t>
+              <a:t>04.11.2023</a:t>
             </a:fld>
             <a:endParaRPr lang="cs-CZ"/>
           </a:p>
@@ -4954,8 +4954,19 @@
           <a:p>
             <a:r>
               <a:rPr lang="cs-CZ" dirty="0"/>
-              <a:t>WYSWYG</a:t>
-            </a:r>
+              <a:t>WYSIWYG</a:t>
+            </a:r>
+          </a:p>
+          <a:p>
+            <a:r>
+              <a:rPr lang="cs-CZ" i="1" dirty="0"/>
+              <a:t>Git </a:t>
+            </a:r>
+            <a:r>
+              <a:rPr lang="cs-CZ" i="1"/>
+              <a:t>a GitHub</a:t>
+            </a:r>
+            <a:endParaRPr lang="cs-CZ" i="1" dirty="0"/>
           </a:p>
         </p:txBody>
       </p:sp>
@@ -6906,22 +6917,6 @@
             <a:endParaRPr lang="cs-CZ" b="1" dirty="0"/>
           </a:p>
           <a:p>
-            <a:pPr lvl="1"/>
-            <a:r>
-              <a:rPr lang="cs-CZ" b="1" dirty="0" err="1"/>
-              <a:t>Padding</a:t>
-            </a:r>
-            <a:r>
-              <a:rPr lang="cs-CZ" b="1" dirty="0"/>
-              <a:t>, </a:t>
-            </a:r>
-            <a:r>
-              <a:rPr lang="cs-CZ" b="1" dirty="0" err="1"/>
-              <a:t>margin</a:t>
-            </a:r>
-            <a:endParaRPr lang="cs-CZ" b="1" dirty="0"/>
-          </a:p>
-          <a:p>
             <a:r>
               <a:rPr lang="cs-CZ" dirty="0"/>
               <a:t>Cvičení – aplikace atributů a </a:t>
@@ -7099,6 +7094,13 @@
             <a:endParaRPr lang="cs-CZ" b="1" dirty="0"/>
           </a:p>
           <a:p>
+            <a:r>
+              <a:rPr lang="cs-CZ" b="1" dirty="0" err="1"/>
+              <a:t>Position</a:t>
+            </a:r>
+            <a:endParaRPr lang="cs-CZ" b="1" dirty="0"/>
+          </a:p>
+          <a:p>
             <a:endParaRPr lang="cs-CZ" dirty="0"/>
           </a:p>
         </p:txBody>
@@ -7167,7 +7169,7 @@
           <p:cNvPr id="2" name="Nadpis 1">
             <a:extLst>
               <a:ext uri="{FF2B5EF4-FFF2-40B4-BE49-F238E27FC236}">
-                <a16:creationId xmlns:a16="http://schemas.microsoft.com/office/drawing/2014/main" id="{A753C1ED-7D73-D45A-D083-150B90BDD6EC}"/>
+                <a16:creationId xmlns:a16="http://schemas.microsoft.com/office/drawing/2014/main" id="{EB0732C3-A3D3-FB3D-4CDB-F72E0E0BCC92}"/>
               </a:ext>
             </a:extLst>
           </p:cNvPr>
@@ -7185,7 +7187,7 @@
           <a:p>
             <a:r>
               <a:rPr lang="cs-CZ" dirty="0"/>
-              <a:t>Bloky - opakování</a:t>
+              <a:t>Jednotky v CSS a HTML</a:t>
             </a:r>
           </a:p>
         </p:txBody>
@@ -7195,7 +7197,7 @@
           <p:cNvPr id="3" name="Zástupný obsah 2">
             <a:extLst>
               <a:ext uri="{FF2B5EF4-FFF2-40B4-BE49-F238E27FC236}">
-                <a16:creationId xmlns:a16="http://schemas.microsoft.com/office/drawing/2014/main" id="{A38B5431-708D-B73E-5958-AFD56CD5C233}"/>
+                <a16:creationId xmlns:a16="http://schemas.microsoft.com/office/drawing/2014/main" id="{50C33DA1-9EC2-326E-59E6-58F9D3E41987}"/>
               </a:ext>
             </a:extLst>
           </p:cNvPr>
@@ -7211,7 +7213,59 @@
           <a:bodyPr/>
           <a:lstStyle/>
           <a:p>
-            <a:endParaRPr lang="cs-CZ"/>
+            <a:r>
+              <a:rPr lang="cs-CZ" dirty="0"/>
+              <a:t>Absolutní jednotky</a:t>
+            </a:r>
+          </a:p>
+          <a:p>
+            <a:pPr lvl="1"/>
+            <a:r>
+              <a:rPr lang="cs-CZ" b="1" dirty="0" err="1"/>
+              <a:t>Px</a:t>
+            </a:r>
+            <a:endParaRPr lang="cs-CZ" b="1" dirty="0"/>
+          </a:p>
+          <a:p>
+            <a:r>
+              <a:rPr lang="cs-CZ" dirty="0"/>
+              <a:t>Relativní jednotky</a:t>
+            </a:r>
+          </a:p>
+          <a:p>
+            <a:pPr lvl="1"/>
+            <a:r>
+              <a:rPr lang="cs-CZ" b="1" dirty="0"/>
+              <a:t>%</a:t>
+            </a:r>
+          </a:p>
+          <a:p>
+            <a:pPr lvl="1"/>
+            <a:r>
+              <a:rPr lang="cs-CZ" b="1" dirty="0"/>
+              <a:t>Em, </a:t>
+            </a:r>
+            <a:r>
+              <a:rPr lang="cs-CZ" b="1" dirty="0" err="1"/>
+              <a:t>rem</a:t>
+            </a:r>
+            <a:endParaRPr lang="cs-CZ" b="1" dirty="0"/>
+          </a:p>
+          <a:p>
+            <a:pPr lvl="1"/>
+            <a:r>
+              <a:rPr lang="cs-CZ" b="1" dirty="0" err="1"/>
+              <a:t>Vw</a:t>
+            </a:r>
+            <a:r>
+              <a:rPr lang="cs-CZ" b="1" dirty="0"/>
+              <a:t>, </a:t>
+            </a:r>
+            <a:r>
+              <a:rPr lang="cs-CZ" b="1" dirty="0" err="1"/>
+              <a:t>vh</a:t>
+            </a:r>
+            <a:endParaRPr lang="cs-CZ" b="1" dirty="0"/>
           </a:p>
         </p:txBody>
       </p:sp>
@@ -7220,7 +7274,7 @@
           <p:cNvPr id="4" name="Zástupný symbol pro číslo snímku 3">
             <a:extLst>
               <a:ext uri="{FF2B5EF4-FFF2-40B4-BE49-F238E27FC236}">
-                <a16:creationId xmlns:a16="http://schemas.microsoft.com/office/drawing/2014/main" id="{3BB1DB49-D47D-FB9D-5424-E9B58A4F8EBE}"/>
+                <a16:creationId xmlns:a16="http://schemas.microsoft.com/office/drawing/2014/main" id="{C8FD905F-2A78-E842-E898-AB3C95642C12}"/>
               </a:ext>
             </a:extLst>
           </p:cNvPr>
@@ -7247,7 +7301,7 @@
     </p:spTree>
     <p:extLst>
       <p:ext uri="{BB962C8B-B14F-4D97-AF65-F5344CB8AC3E}">
-        <p14:creationId xmlns:p14="http://schemas.microsoft.com/office/powerpoint/2010/main" val="4114980521"/>
+        <p14:creationId xmlns:p14="http://schemas.microsoft.com/office/powerpoint/2010/main" val="2890229076"/>
       </p:ext>
     </p:extLst>
   </p:cSld>
@@ -7279,7 +7333,7 @@
           <p:cNvPr id="2" name="Nadpis 1">
             <a:extLst>
               <a:ext uri="{FF2B5EF4-FFF2-40B4-BE49-F238E27FC236}">
-                <a16:creationId xmlns:a16="http://schemas.microsoft.com/office/drawing/2014/main" id="{9B8546BA-845F-3190-D464-B5117A406DAF}"/>
+                <a16:creationId xmlns:a16="http://schemas.microsoft.com/office/drawing/2014/main" id="{A753C1ED-7D73-D45A-D083-150B90BDD6EC}"/>
               </a:ext>
             </a:extLst>
           </p:cNvPr>
@@ -7297,7 +7351,7 @@
           <a:p>
             <a:r>
               <a:rPr lang="cs-CZ" dirty="0"/>
-              <a:t>Test č. 5</a:t>
+              <a:t>Bloky - opakování</a:t>
             </a:r>
           </a:p>
         </p:txBody>
@@ -7307,7 +7361,7 @@
           <p:cNvPr id="3" name="Zástupný obsah 2">
             <a:extLst>
               <a:ext uri="{FF2B5EF4-FFF2-40B4-BE49-F238E27FC236}">
-                <a16:creationId xmlns:a16="http://schemas.microsoft.com/office/drawing/2014/main" id="{A7004608-35EF-401E-6A9C-39EB9E96D179}"/>
+                <a16:creationId xmlns:a16="http://schemas.microsoft.com/office/drawing/2014/main" id="{A38B5431-708D-B73E-5958-AFD56CD5C233}"/>
               </a:ext>
             </a:extLst>
           </p:cNvPr>
@@ -7323,24 +7377,7 @@
           <a:bodyPr/>
           <a:lstStyle/>
           <a:p>
-            <a:pPr marL="0" indent="0">
-              <a:buNone/>
-            </a:pPr>
-            <a:r>
-              <a:rPr lang="cs-CZ" dirty="0"/>
-              <a:t>Bloky</a:t>
-            </a:r>
-          </a:p>
-          <a:p>
-            <a:r>
-              <a:rPr lang="cs-CZ" dirty="0"/>
-              <a:t>Studenti jsou schopni vytvořit několik bloků, umístit je do sebe, aplikovat třídy a ID. Chápou fungování bloku div a </a:t>
-            </a:r>
-            <a:r>
-              <a:rPr lang="cs-CZ" dirty="0" err="1"/>
-              <a:t>span</a:t>
-            </a:r>
-            <a:endParaRPr lang="cs-CZ" dirty="0"/>
+            <a:endParaRPr lang="cs-CZ"/>
           </a:p>
         </p:txBody>
       </p:sp>
@@ -7349,7 +7386,7 @@
           <p:cNvPr id="4" name="Zástupný symbol pro číslo snímku 3">
             <a:extLst>
               <a:ext uri="{FF2B5EF4-FFF2-40B4-BE49-F238E27FC236}">
-                <a16:creationId xmlns:a16="http://schemas.microsoft.com/office/drawing/2014/main" id="{3C0004F4-02C1-5ECB-7356-F2D587F32822}"/>
+                <a16:creationId xmlns:a16="http://schemas.microsoft.com/office/drawing/2014/main" id="{3BB1DB49-D47D-FB9D-5424-E9B58A4F8EBE}"/>
               </a:ext>
             </a:extLst>
           </p:cNvPr>
@@ -7376,7 +7413,7 @@
     </p:spTree>
     <p:extLst>
       <p:ext uri="{BB962C8B-B14F-4D97-AF65-F5344CB8AC3E}">
-        <p14:creationId xmlns:p14="http://schemas.microsoft.com/office/powerpoint/2010/main" val="1534868768"/>
+        <p14:creationId xmlns:p14="http://schemas.microsoft.com/office/powerpoint/2010/main" val="4114980521"/>
       </p:ext>
     </p:extLst>
   </p:cSld>
@@ -7408,7 +7445,7 @@
           <p:cNvPr id="2" name="Nadpis 1">
             <a:extLst>
               <a:ext uri="{FF2B5EF4-FFF2-40B4-BE49-F238E27FC236}">
-                <a16:creationId xmlns:a16="http://schemas.microsoft.com/office/drawing/2014/main" id="{8F343118-6634-0CE0-61B9-A4330AABCD3C}"/>
+                <a16:creationId xmlns:a16="http://schemas.microsoft.com/office/drawing/2014/main" id="{9B8546BA-845F-3190-D464-B5117A406DAF}"/>
               </a:ext>
             </a:extLst>
           </p:cNvPr>
@@ -7426,7 +7463,7 @@
           <a:p>
             <a:r>
               <a:rPr lang="cs-CZ" dirty="0"/>
-              <a:t>Box model</a:t>
+              <a:t>Test č. 5</a:t>
             </a:r>
           </a:p>
         </p:txBody>
@@ -7436,7 +7473,7 @@
           <p:cNvPr id="3" name="Zástupný obsah 2">
             <a:extLst>
               <a:ext uri="{FF2B5EF4-FFF2-40B4-BE49-F238E27FC236}">
-                <a16:creationId xmlns:a16="http://schemas.microsoft.com/office/drawing/2014/main" id="{64ED1BB3-1D41-B4F6-36EA-0192E457E163}"/>
+                <a16:creationId xmlns:a16="http://schemas.microsoft.com/office/drawing/2014/main" id="{A7004608-35EF-401E-6A9C-39EB9E96D179}"/>
               </a:ext>
             </a:extLst>
           </p:cNvPr>
@@ -7452,25 +7489,24 @@
           <a:bodyPr/>
           <a:lstStyle/>
           <a:p>
-            <a:r>
-              <a:rPr lang="cs-CZ" b="1" dirty="0" err="1"/>
-              <a:t>Padding</a:t>
-            </a:r>
-            <a:r>
-              <a:rPr lang="cs-CZ" dirty="0"/>
-              <a:t> a </a:t>
-            </a:r>
-            <a:r>
-              <a:rPr lang="cs-CZ" b="1" dirty="0" err="1"/>
-              <a:t>margin</a:t>
-            </a:r>
-            <a:endParaRPr lang="cs-CZ" b="1" dirty="0"/>
-          </a:p>
-          <a:p>
-            <a:r>
-              <a:rPr lang="cs-CZ" dirty="0"/>
-              <a:t>Cvičení na box model dokumentu</a:t>
-            </a:r>
+            <a:pPr marL="0" indent="0">
+              <a:buNone/>
+            </a:pPr>
+            <a:r>
+              <a:rPr lang="cs-CZ" dirty="0"/>
+              <a:t>Bloky</a:t>
+            </a:r>
+          </a:p>
+          <a:p>
+            <a:r>
+              <a:rPr lang="cs-CZ" dirty="0"/>
+              <a:t>Studenti jsou schopni vytvořit několik bloků, umístit je do sebe, aplikovat třídy a ID. Chápou fungování bloku div a </a:t>
+            </a:r>
+            <a:r>
+              <a:rPr lang="cs-CZ" dirty="0" err="1"/>
+              <a:t>span</a:t>
+            </a:r>
+            <a:endParaRPr lang="cs-CZ" dirty="0"/>
           </a:p>
         </p:txBody>
       </p:sp>
@@ -7479,7 +7515,7 @@
           <p:cNvPr id="4" name="Zástupný symbol pro číslo snímku 3">
             <a:extLst>
               <a:ext uri="{FF2B5EF4-FFF2-40B4-BE49-F238E27FC236}">
-                <a16:creationId xmlns:a16="http://schemas.microsoft.com/office/drawing/2014/main" id="{3F836D7C-4C92-49BF-3789-26A069CE4923}"/>
+                <a16:creationId xmlns:a16="http://schemas.microsoft.com/office/drawing/2014/main" id="{3C0004F4-02C1-5ECB-7356-F2D587F32822}"/>
               </a:ext>
             </a:extLst>
           </p:cNvPr>
@@ -7506,7 +7542,7 @@
     </p:spTree>
     <p:extLst>
       <p:ext uri="{BB962C8B-B14F-4D97-AF65-F5344CB8AC3E}">
-        <p14:creationId xmlns:p14="http://schemas.microsoft.com/office/powerpoint/2010/main" val="3469849938"/>
+        <p14:creationId xmlns:p14="http://schemas.microsoft.com/office/powerpoint/2010/main" val="1534868768"/>
       </p:ext>
     </p:extLst>
   </p:cSld>
@@ -7538,7 +7574,7 @@
           <p:cNvPr id="2" name="Nadpis 1">
             <a:extLst>
               <a:ext uri="{FF2B5EF4-FFF2-40B4-BE49-F238E27FC236}">
-                <a16:creationId xmlns:a16="http://schemas.microsoft.com/office/drawing/2014/main" id="{568C7D6D-A44C-AA0A-58A6-8C1C8FB62A7B}"/>
+                <a16:creationId xmlns:a16="http://schemas.microsoft.com/office/drawing/2014/main" id="{8F343118-6634-0CE0-61B9-A4330AABCD3C}"/>
               </a:ext>
             </a:extLst>
           </p:cNvPr>
@@ -7556,7 +7592,7 @@
           <a:p>
             <a:r>
               <a:rPr lang="cs-CZ" dirty="0"/>
-              <a:t>Teorie barev</a:t>
+              <a:t>Box model</a:t>
             </a:r>
           </a:p>
         </p:txBody>
@@ -7566,7 +7602,7 @@
           <p:cNvPr id="3" name="Zástupný obsah 2">
             <a:extLst>
               <a:ext uri="{FF2B5EF4-FFF2-40B4-BE49-F238E27FC236}">
-                <a16:creationId xmlns:a16="http://schemas.microsoft.com/office/drawing/2014/main" id="{DE27A7FE-6A09-4658-D140-F049BDB3BD60}"/>
+                <a16:creationId xmlns:a16="http://schemas.microsoft.com/office/drawing/2014/main" id="{64ED1BB3-1D41-B4F6-36EA-0192E457E163}"/>
               </a:ext>
             </a:extLst>
           </p:cNvPr>
@@ -7584,69 +7620,23 @@
           <a:p>
             <a:r>
               <a:rPr lang="cs-CZ" b="1" dirty="0" err="1"/>
-              <a:t>Rgb</a:t>
-            </a:r>
-            <a:r>
-              <a:rPr lang="cs-CZ" b="1" dirty="0"/>
-              <a:t>, </a:t>
+              <a:t>Padding</a:t>
+            </a:r>
+            <a:r>
+              <a:rPr lang="cs-CZ" dirty="0"/>
+              <a:t> a </a:t>
             </a:r>
             <a:r>
               <a:rPr lang="cs-CZ" b="1" dirty="0" err="1"/>
-              <a:t>cmyk</a:t>
+              <a:t>margin</a:t>
             </a:r>
             <a:endParaRPr lang="cs-CZ" b="1" dirty="0"/>
           </a:p>
           <a:p>
             <a:r>
               <a:rPr lang="cs-CZ" dirty="0"/>
-              <a:t>Zápis v CSS</a:t>
-            </a:r>
-          </a:p>
-          <a:p>
-            <a:pPr lvl="1"/>
-            <a:r>
-              <a:rPr lang="cs-CZ" b="1" dirty="0"/>
-              <a:t>Název barvy</a:t>
-            </a:r>
-          </a:p>
-          <a:p>
-            <a:pPr lvl="1"/>
-            <a:r>
-              <a:rPr lang="cs-CZ" b="1" dirty="0" err="1"/>
-              <a:t>Rgb</a:t>
-            </a:r>
-            <a:endParaRPr lang="cs-CZ" b="1" dirty="0"/>
-          </a:p>
-          <a:p>
-            <a:pPr lvl="1"/>
-            <a:r>
-              <a:rPr lang="cs-CZ" b="1" dirty="0" err="1"/>
-              <a:t>Hex</a:t>
-            </a:r>
-            <a:endParaRPr lang="cs-CZ" b="1" dirty="0"/>
-          </a:p>
-          <a:p>
-            <a:pPr lvl="1"/>
-            <a:r>
-              <a:rPr lang="cs-CZ" b="1" dirty="0"/>
-              <a:t>HSL</a:t>
-            </a:r>
-          </a:p>
-          <a:p>
-            <a:pPr lvl="1"/>
-            <a:r>
-              <a:rPr lang="cs-CZ" b="1" dirty="0" err="1"/>
-              <a:t>Rgba</a:t>
-            </a:r>
-            <a:endParaRPr lang="cs-CZ" b="1" dirty="0"/>
-          </a:p>
-          <a:p>
-            <a:pPr lvl="1"/>
-            <a:r>
-              <a:rPr lang="cs-CZ" b="1" dirty="0" err="1"/>
-              <a:t>hsla</a:t>
-            </a:r>
-            <a:endParaRPr lang="cs-CZ" b="1" dirty="0"/>
+              <a:t>Cvičení na box model dokumentu</a:t>
+            </a:r>
           </a:p>
         </p:txBody>
       </p:sp>
@@ -7655,7 +7645,7 @@
           <p:cNvPr id="4" name="Zástupný symbol pro číslo snímku 3">
             <a:extLst>
               <a:ext uri="{FF2B5EF4-FFF2-40B4-BE49-F238E27FC236}">
-                <a16:creationId xmlns:a16="http://schemas.microsoft.com/office/drawing/2014/main" id="{0CCAF768-078B-8934-B5FB-D42DDAFC2D88}"/>
+                <a16:creationId xmlns:a16="http://schemas.microsoft.com/office/drawing/2014/main" id="{3F836D7C-4C92-49BF-3789-26A069CE4923}"/>
               </a:ext>
             </a:extLst>
           </p:cNvPr>
@@ -7682,7 +7672,7 @@
     </p:spTree>
     <p:extLst>
       <p:ext uri="{BB962C8B-B14F-4D97-AF65-F5344CB8AC3E}">
-        <p14:creationId xmlns:p14="http://schemas.microsoft.com/office/powerpoint/2010/main" val="3364260593"/>
+        <p14:creationId xmlns:p14="http://schemas.microsoft.com/office/powerpoint/2010/main" val="3469849938"/>
       </p:ext>
     </p:extLst>
   </p:cSld>
@@ -7714,7 +7704,7 @@
           <p:cNvPr id="2" name="Nadpis 1">
             <a:extLst>
               <a:ext uri="{FF2B5EF4-FFF2-40B4-BE49-F238E27FC236}">
-                <a16:creationId xmlns:a16="http://schemas.microsoft.com/office/drawing/2014/main" id="{FA551084-9AA2-58E4-B634-1A4F8FC87F99}"/>
+                <a16:creationId xmlns:a16="http://schemas.microsoft.com/office/drawing/2014/main" id="{568C7D6D-A44C-AA0A-58A6-8C1C8FB62A7B}"/>
               </a:ext>
             </a:extLst>
           </p:cNvPr>
@@ -7732,7 +7722,7 @@
           <a:p>
             <a:r>
               <a:rPr lang="cs-CZ" dirty="0"/>
-              <a:t>Test č. 6</a:t>
+              <a:t>Teorie barev</a:t>
             </a:r>
           </a:p>
         </p:txBody>
@@ -7742,7 +7732,7 @@
           <p:cNvPr id="3" name="Zástupný obsah 2">
             <a:extLst>
               <a:ext uri="{FF2B5EF4-FFF2-40B4-BE49-F238E27FC236}">
-                <a16:creationId xmlns:a16="http://schemas.microsoft.com/office/drawing/2014/main" id="{F45F35BF-F725-8FA9-748A-FA19A15C5ED0}"/>
+                <a16:creationId xmlns:a16="http://schemas.microsoft.com/office/drawing/2014/main" id="{DE27A7FE-6A09-4658-D140-F049BDB3BD60}"/>
               </a:ext>
             </a:extLst>
           </p:cNvPr>
@@ -7758,20 +7748,71 @@
           <a:bodyPr/>
           <a:lstStyle/>
           <a:p>
-            <a:pPr marL="0" indent="0">
-              <a:buNone/>
-            </a:pPr>
-            <a:r>
-              <a:rPr lang="cs-CZ" dirty="0"/>
-              <a:t>Teorie barev a box model</a:t>
-            </a:r>
-          </a:p>
-          <a:p>
-            <a:r>
-              <a:rPr lang="cs-CZ" dirty="0" err="1"/>
-              <a:t>Moodle</a:t>
-            </a:r>
-            <a:endParaRPr lang="cs-CZ" dirty="0"/>
+            <a:r>
+              <a:rPr lang="cs-CZ" b="1" dirty="0" err="1"/>
+              <a:t>Rgb</a:t>
+            </a:r>
+            <a:r>
+              <a:rPr lang="cs-CZ" b="1" dirty="0"/>
+              <a:t>, </a:t>
+            </a:r>
+            <a:r>
+              <a:rPr lang="cs-CZ" b="1" dirty="0" err="1"/>
+              <a:t>cmyk</a:t>
+            </a:r>
+            <a:endParaRPr lang="cs-CZ" b="1" dirty="0"/>
+          </a:p>
+          <a:p>
+            <a:r>
+              <a:rPr lang="cs-CZ" dirty="0"/>
+              <a:t>Zápis v CSS</a:t>
+            </a:r>
+          </a:p>
+          <a:p>
+            <a:pPr lvl="1"/>
+            <a:r>
+              <a:rPr lang="cs-CZ" b="1" dirty="0"/>
+              <a:t>Název barvy</a:t>
+            </a:r>
+          </a:p>
+          <a:p>
+            <a:pPr lvl="1"/>
+            <a:r>
+              <a:rPr lang="cs-CZ" b="1" dirty="0" err="1"/>
+              <a:t>Rgb</a:t>
+            </a:r>
+            <a:endParaRPr lang="cs-CZ" b="1" dirty="0"/>
+          </a:p>
+          <a:p>
+            <a:pPr lvl="1"/>
+            <a:r>
+              <a:rPr lang="cs-CZ" b="1" dirty="0" err="1"/>
+              <a:t>Hex</a:t>
+            </a:r>
+            <a:endParaRPr lang="cs-CZ" b="1" dirty="0"/>
+          </a:p>
+          <a:p>
+            <a:pPr lvl="1"/>
+            <a:r>
+              <a:rPr lang="cs-CZ" b="1" dirty="0"/>
+              <a:t>HSL</a:t>
+            </a:r>
+          </a:p>
+          <a:p>
+            <a:pPr lvl="1"/>
+            <a:r>
+              <a:rPr lang="cs-CZ" b="1" dirty="0" err="1"/>
+              <a:t>Rgba</a:t>
+            </a:r>
+            <a:endParaRPr lang="cs-CZ" b="1" dirty="0"/>
+          </a:p>
+          <a:p>
+            <a:pPr lvl="1"/>
+            <a:r>
+              <a:rPr lang="cs-CZ" b="1" dirty="0" err="1"/>
+              <a:t>hsla</a:t>
+            </a:r>
+            <a:endParaRPr lang="cs-CZ" b="1" dirty="0"/>
           </a:p>
         </p:txBody>
       </p:sp>
@@ -7780,7 +7821,7 @@
           <p:cNvPr id="4" name="Zástupný symbol pro číslo snímku 3">
             <a:extLst>
               <a:ext uri="{FF2B5EF4-FFF2-40B4-BE49-F238E27FC236}">
-                <a16:creationId xmlns:a16="http://schemas.microsoft.com/office/drawing/2014/main" id="{923699D1-92AD-E7DB-6430-69BF946CD464}"/>
+                <a16:creationId xmlns:a16="http://schemas.microsoft.com/office/drawing/2014/main" id="{0CCAF768-078B-8934-B5FB-D42DDAFC2D88}"/>
               </a:ext>
             </a:extLst>
           </p:cNvPr>
@@ -7807,7 +7848,7 @@
     </p:spTree>
     <p:extLst>
       <p:ext uri="{BB962C8B-B14F-4D97-AF65-F5344CB8AC3E}">
-        <p14:creationId xmlns:p14="http://schemas.microsoft.com/office/powerpoint/2010/main" val="2201170056"/>
+        <p14:creationId xmlns:p14="http://schemas.microsoft.com/office/powerpoint/2010/main" val="3364260593"/>
       </p:ext>
     </p:extLst>
   </p:cSld>
@@ -7983,7 +8024,7 @@
           <p:cNvPr id="2" name="Nadpis 1">
             <a:extLst>
               <a:ext uri="{FF2B5EF4-FFF2-40B4-BE49-F238E27FC236}">
-                <a16:creationId xmlns:a16="http://schemas.microsoft.com/office/drawing/2014/main" id="{EB0732C3-A3D3-FB3D-4CDB-F72E0E0BCC92}"/>
+                <a16:creationId xmlns:a16="http://schemas.microsoft.com/office/drawing/2014/main" id="{FA551084-9AA2-58E4-B634-1A4F8FC87F99}"/>
               </a:ext>
             </a:extLst>
           </p:cNvPr>
@@ -8001,7 +8042,7 @@
           <a:p>
             <a:r>
               <a:rPr lang="cs-CZ" dirty="0"/>
-              <a:t>Jednotky v CSS a HTML</a:t>
+              <a:t>Test č. 6</a:t>
             </a:r>
           </a:p>
         </p:txBody>
@@ -8011,7 +8052,7 @@
           <p:cNvPr id="3" name="Zástupný obsah 2">
             <a:extLst>
               <a:ext uri="{FF2B5EF4-FFF2-40B4-BE49-F238E27FC236}">
-                <a16:creationId xmlns:a16="http://schemas.microsoft.com/office/drawing/2014/main" id="{50C33DA1-9EC2-326E-59E6-58F9D3E41987}"/>
+                <a16:creationId xmlns:a16="http://schemas.microsoft.com/office/drawing/2014/main" id="{F45F35BF-F725-8FA9-748A-FA19A15C5ED0}"/>
               </a:ext>
             </a:extLst>
           </p:cNvPr>
@@ -8027,59 +8068,20 @@
           <a:bodyPr/>
           <a:lstStyle/>
           <a:p>
-            <a:r>
-              <a:rPr lang="cs-CZ" dirty="0"/>
-              <a:t>Absolutní jednotky</a:t>
-            </a:r>
-          </a:p>
-          <a:p>
-            <a:pPr lvl="1"/>
-            <a:r>
-              <a:rPr lang="cs-CZ" b="1" dirty="0" err="1"/>
-              <a:t>Px</a:t>
-            </a:r>
-            <a:endParaRPr lang="cs-CZ" b="1" dirty="0"/>
-          </a:p>
-          <a:p>
-            <a:r>
-              <a:rPr lang="cs-CZ" dirty="0"/>
-              <a:t>Relativní jednotky</a:t>
-            </a:r>
-          </a:p>
-          <a:p>
-            <a:pPr lvl="1"/>
-            <a:r>
-              <a:rPr lang="cs-CZ" b="1" dirty="0"/>
-              <a:t>%</a:t>
-            </a:r>
-          </a:p>
-          <a:p>
-            <a:pPr lvl="1"/>
-            <a:r>
-              <a:rPr lang="cs-CZ" b="1" dirty="0"/>
-              <a:t>Em, </a:t>
-            </a:r>
-            <a:r>
-              <a:rPr lang="cs-CZ" b="1" dirty="0" err="1"/>
-              <a:t>rem</a:t>
-            </a:r>
-            <a:endParaRPr lang="cs-CZ" b="1" dirty="0"/>
-          </a:p>
-          <a:p>
-            <a:pPr lvl="1"/>
-            <a:r>
-              <a:rPr lang="cs-CZ" b="1" dirty="0" err="1"/>
-              <a:t>Vw</a:t>
-            </a:r>
-            <a:r>
-              <a:rPr lang="cs-CZ" b="1" dirty="0"/>
-              <a:t>, </a:t>
-            </a:r>
-            <a:r>
-              <a:rPr lang="cs-CZ" b="1" dirty="0" err="1"/>
-              <a:t>vh</a:t>
-            </a:r>
-            <a:endParaRPr lang="cs-CZ" b="1" dirty="0"/>
+            <a:pPr marL="0" indent="0">
+              <a:buNone/>
+            </a:pPr>
+            <a:r>
+              <a:rPr lang="cs-CZ" dirty="0"/>
+              <a:t>Teorie barev a box model</a:t>
+            </a:r>
+          </a:p>
+          <a:p>
+            <a:r>
+              <a:rPr lang="cs-CZ" dirty="0" err="1"/>
+              <a:t>Moodle</a:t>
+            </a:r>
+            <a:endParaRPr lang="cs-CZ" dirty="0"/>
           </a:p>
         </p:txBody>
       </p:sp>
@@ -8088,7 +8090,7 @@
           <p:cNvPr id="4" name="Zástupný symbol pro číslo snímku 3">
             <a:extLst>
               <a:ext uri="{FF2B5EF4-FFF2-40B4-BE49-F238E27FC236}">
-                <a16:creationId xmlns:a16="http://schemas.microsoft.com/office/drawing/2014/main" id="{C8FD905F-2A78-E842-E898-AB3C95642C12}"/>
+                <a16:creationId xmlns:a16="http://schemas.microsoft.com/office/drawing/2014/main" id="{923699D1-92AD-E7DB-6430-69BF946CD464}"/>
               </a:ext>
             </a:extLst>
           </p:cNvPr>
@@ -8115,7 +8117,7 @@
     </p:spTree>
     <p:extLst>
       <p:ext uri="{BB962C8B-B14F-4D97-AF65-F5344CB8AC3E}">
-        <p14:creationId xmlns:p14="http://schemas.microsoft.com/office/powerpoint/2010/main" val="2890229076"/>
+        <p14:creationId xmlns:p14="http://schemas.microsoft.com/office/powerpoint/2010/main" val="2201170056"/>
       </p:ext>
     </p:extLst>
   </p:cSld>

--- a/Tvorba webových stránek 1.pptx
+++ b/Tvorba webových stránek 1.pptx
@@ -372,7 +372,7 @@
           <a:p>
             <a:fld id="{633219D4-7B58-4455-901E-DAF5B16E6890}" type="datetimeFigureOut">
               <a:rPr lang="cs-CZ" smtClean="0"/>
-              <a:t>04.11.2023</a:t>
+              <a:t>12.03.2024</a:t>
             </a:fld>
             <a:endParaRPr lang="cs-CZ"/>
           </a:p>
@@ -786,7 +786,7 @@
           <a:p>
             <a:fld id="{60FA9807-668D-49D6-BD59-266CE0ED31C1}" type="datetime1">
               <a:rPr lang="cs-CZ" smtClean="0"/>
-              <a:t>04.11.2023</a:t>
+              <a:t>12.03.2024</a:t>
             </a:fld>
             <a:endParaRPr lang="cs-CZ"/>
           </a:p>
@@ -984,7 +984,7 @@
           <a:p>
             <a:fld id="{6C4BC1DB-645C-42E6-8BC0-ABFA7001E04D}" type="datetime1">
               <a:rPr lang="cs-CZ" smtClean="0"/>
-              <a:t>04.11.2023</a:t>
+              <a:t>12.03.2024</a:t>
             </a:fld>
             <a:endParaRPr lang="cs-CZ"/>
           </a:p>
@@ -1192,7 +1192,7 @@
           <a:p>
             <a:fld id="{680827B2-4A68-483D-A954-5F6E914556D1}" type="datetime1">
               <a:rPr lang="cs-CZ" smtClean="0"/>
-              <a:t>04.11.2023</a:t>
+              <a:t>12.03.2024</a:t>
             </a:fld>
             <a:endParaRPr lang="cs-CZ"/>
           </a:p>
@@ -1390,7 +1390,7 @@
           <a:p>
             <a:fld id="{EB78CF32-CCF4-4BE4-9053-C37981F01BDA}" type="datetime1">
               <a:rPr lang="cs-CZ" smtClean="0"/>
-              <a:t>04.11.2023</a:t>
+              <a:t>12.03.2024</a:t>
             </a:fld>
             <a:endParaRPr lang="cs-CZ"/>
           </a:p>
@@ -1665,7 +1665,7 @@
           <a:p>
             <a:fld id="{A19D7E4A-730F-46D1-832D-77C420F1505A}" type="datetime1">
               <a:rPr lang="cs-CZ" smtClean="0"/>
-              <a:t>04.11.2023</a:t>
+              <a:t>12.03.2024</a:t>
             </a:fld>
             <a:endParaRPr lang="cs-CZ"/>
           </a:p>
@@ -1930,7 +1930,7 @@
           <a:p>
             <a:fld id="{99256A79-1724-42A1-8D55-1F5CA55068C7}" type="datetime1">
               <a:rPr lang="cs-CZ" smtClean="0"/>
-              <a:t>04.11.2023</a:t>
+              <a:t>12.03.2024</a:t>
             </a:fld>
             <a:endParaRPr lang="cs-CZ"/>
           </a:p>
@@ -2342,7 +2342,7 @@
           <a:p>
             <a:fld id="{AD5421B8-F398-4E5C-A7D8-AC66D2AC4B0A}" type="datetime1">
               <a:rPr lang="cs-CZ" smtClean="0"/>
-              <a:t>04.11.2023</a:t>
+              <a:t>12.03.2024</a:t>
             </a:fld>
             <a:endParaRPr lang="cs-CZ"/>
           </a:p>
@@ -2483,7 +2483,7 @@
           <a:p>
             <a:fld id="{F288F950-1C28-46FF-A7C8-4BEE2AF7A833}" type="datetime1">
               <a:rPr lang="cs-CZ" smtClean="0"/>
-              <a:t>04.11.2023</a:t>
+              <a:t>12.03.2024</a:t>
             </a:fld>
             <a:endParaRPr lang="cs-CZ"/>
           </a:p>
@@ -2596,7 +2596,7 @@
           <a:p>
             <a:fld id="{6BE2F2ED-E12A-46D5-A664-F65306655897}" type="datetime1">
               <a:rPr lang="cs-CZ" smtClean="0"/>
-              <a:t>04.11.2023</a:t>
+              <a:t>12.03.2024</a:t>
             </a:fld>
             <a:endParaRPr lang="cs-CZ"/>
           </a:p>
@@ -2907,7 +2907,7 @@
           <a:p>
             <a:fld id="{52E98677-007C-429E-84E1-5028F764232B}" type="datetime1">
               <a:rPr lang="cs-CZ" smtClean="0"/>
-              <a:t>04.11.2023</a:t>
+              <a:t>12.03.2024</a:t>
             </a:fld>
             <a:endParaRPr lang="cs-CZ"/>
           </a:p>
@@ -3195,7 +3195,7 @@
           <a:p>
             <a:fld id="{DAA27388-066E-40FE-8AC0-624E15108BC2}" type="datetime1">
               <a:rPr lang="cs-CZ" smtClean="0"/>
-              <a:t>04.11.2023</a:t>
+              <a:t>12.03.2024</a:t>
             </a:fld>
             <a:endParaRPr lang="cs-CZ"/>
           </a:p>
@@ -3436,7 +3436,7 @@
           <a:p>
             <a:fld id="{3ACA0928-5A49-4ABC-8407-F4F2AFC2513B}" type="datetime1">
               <a:rPr lang="cs-CZ" smtClean="0"/>
-              <a:t>04.11.2023</a:t>
+              <a:t>12.03.2024</a:t>
             </a:fld>
             <a:endParaRPr lang="cs-CZ"/>
           </a:p>
@@ -10028,6 +10028,14 @@
             </a:r>
             <a:endParaRPr lang="cs-CZ" b="1" dirty="0"/>
           </a:p>
+          <a:p>
+            <a:pPr lvl="1"/>
+            <a:r>
+              <a:rPr lang="cs-CZ" b="1" dirty="0" err="1"/>
+              <a:t>border-collapse</a:t>
+            </a:r>
+            <a:endParaRPr lang="cs-CZ" b="1" dirty="0"/>
+          </a:p>
         </p:txBody>
       </p:sp>
       <p:sp>
